--- a/packing and unitization.pptx
+++ b/packing and unitization.pptx
@@ -8,12 +8,13 @@
     <p:sldId id="256" r:id="rId2"/>
     <p:sldId id="257" r:id="rId3"/>
     <p:sldId id="264" r:id="rId4"/>
-    <p:sldId id="263" r:id="rId5"/>
-    <p:sldId id="259" r:id="rId6"/>
-    <p:sldId id="260" r:id="rId7"/>
-    <p:sldId id="261" r:id="rId8"/>
-    <p:sldId id="262" r:id="rId9"/>
-    <p:sldId id="265" r:id="rId10"/>
+    <p:sldId id="266" r:id="rId5"/>
+    <p:sldId id="263" r:id="rId6"/>
+    <p:sldId id="259" r:id="rId7"/>
+    <p:sldId id="260" r:id="rId8"/>
+    <p:sldId id="261" r:id="rId9"/>
+    <p:sldId id="262" r:id="rId10"/>
+    <p:sldId id="265" r:id="rId11"/>
   </p:sldIdLst>
   <p:sldSz cx="12192000" cy="6858000"/>
   <p:notesSz cx="6858000" cy="9144000"/>
@@ -622,7 +623,7 @@
           <a:p>
             <a:fld id="{A5727427-7AC8-4899-9196-2DF70C13B96C}" type="datetimeFigureOut">
               <a:rPr lang="en-US" smtClean="0"/>
-              <a:t>16-Feb-21</a:t>
+              <a:t>18-Feb-21</a:t>
             </a:fld>
             <a:endParaRPr lang="en-US"/>
           </a:p>
@@ -918,7 +919,7 @@
           <a:p>
             <a:fld id="{A5727427-7AC8-4899-9196-2DF70C13B96C}" type="datetimeFigureOut">
               <a:rPr lang="en-US" smtClean="0"/>
-              <a:t>16-Feb-21</a:t>
+              <a:t>18-Feb-21</a:t>
             </a:fld>
             <a:endParaRPr lang="en-US"/>
           </a:p>
@@ -1166,7 +1167,7 @@
           <a:p>
             <a:fld id="{A5727427-7AC8-4899-9196-2DF70C13B96C}" type="datetimeFigureOut">
               <a:rPr lang="en-US" smtClean="0"/>
-              <a:t>16-Feb-21</a:t>
+              <a:t>18-Feb-21</a:t>
             </a:fld>
             <a:endParaRPr lang="en-US"/>
           </a:p>
@@ -1706,7 +1707,7 @@
           <a:p>
             <a:fld id="{A5727427-7AC8-4899-9196-2DF70C13B96C}" type="datetimeFigureOut">
               <a:rPr lang="en-US" smtClean="0"/>
-              <a:t>16-Feb-21</a:t>
+              <a:t>18-Feb-21</a:t>
             </a:fld>
             <a:endParaRPr lang="en-US"/>
           </a:p>
@@ -1954,7 +1955,7 @@
           <a:p>
             <a:fld id="{A5727427-7AC8-4899-9196-2DF70C13B96C}" type="datetimeFigureOut">
               <a:rPr lang="en-US" smtClean="0"/>
-              <a:t>16-Feb-21</a:t>
+              <a:t>18-Feb-21</a:t>
             </a:fld>
             <a:endParaRPr lang="en-US"/>
           </a:p>
@@ -2486,7 +2487,7 @@
           <a:p>
             <a:fld id="{A5727427-7AC8-4899-9196-2DF70C13B96C}" type="datetimeFigureOut">
               <a:rPr lang="en-US" smtClean="0"/>
-              <a:t>16-Feb-21</a:t>
+              <a:t>18-Feb-21</a:t>
             </a:fld>
             <a:endParaRPr lang="en-US"/>
           </a:p>
@@ -2783,7 +2784,7 @@
           <a:p>
             <a:fld id="{A5727427-7AC8-4899-9196-2DF70C13B96C}" type="datetimeFigureOut">
               <a:rPr lang="en-US" smtClean="0"/>
-              <a:t>16-Feb-21</a:t>
+              <a:t>18-Feb-21</a:t>
             </a:fld>
             <a:endParaRPr lang="en-US"/>
           </a:p>
@@ -2957,7 +2958,7 @@
           <a:p>
             <a:fld id="{A5727427-7AC8-4899-9196-2DF70C13B96C}" type="datetimeFigureOut">
               <a:rPr lang="en-US" smtClean="0"/>
-              <a:t>16-Feb-21</a:t>
+              <a:t>18-Feb-21</a:t>
             </a:fld>
             <a:endParaRPr lang="en-US"/>
           </a:p>
@@ -3137,7 +3138,7 @@
           <a:p>
             <a:fld id="{A5727427-7AC8-4899-9196-2DF70C13B96C}" type="datetimeFigureOut">
               <a:rPr lang="en-US" smtClean="0"/>
-              <a:t>16-Feb-21</a:t>
+              <a:t>18-Feb-21</a:t>
             </a:fld>
             <a:endParaRPr lang="en-US"/>
           </a:p>
@@ -3307,7 +3308,7 @@
           <a:p>
             <a:fld id="{A5727427-7AC8-4899-9196-2DF70C13B96C}" type="datetimeFigureOut">
               <a:rPr lang="en-US" smtClean="0"/>
-              <a:t>16-Feb-21</a:t>
+              <a:t>18-Feb-21</a:t>
             </a:fld>
             <a:endParaRPr lang="en-US"/>
           </a:p>
@@ -3558,7 +3559,7 @@
           <a:p>
             <a:fld id="{A5727427-7AC8-4899-9196-2DF70C13B96C}" type="datetimeFigureOut">
               <a:rPr lang="en-US" smtClean="0"/>
-              <a:t>16-Feb-21</a:t>
+              <a:t>18-Feb-21</a:t>
             </a:fld>
             <a:endParaRPr lang="en-US"/>
           </a:p>
@@ -3855,7 +3856,7 @@
           <a:p>
             <a:fld id="{A5727427-7AC8-4899-9196-2DF70C13B96C}" type="datetimeFigureOut">
               <a:rPr lang="en-US" smtClean="0"/>
-              <a:t>16-Feb-21</a:t>
+              <a:t>18-Feb-21</a:t>
             </a:fld>
             <a:endParaRPr lang="en-US"/>
           </a:p>
@@ -4297,7 +4298,7 @@
           <a:p>
             <a:fld id="{A5727427-7AC8-4899-9196-2DF70C13B96C}" type="datetimeFigureOut">
               <a:rPr lang="en-US" smtClean="0"/>
-              <a:t>16-Feb-21</a:t>
+              <a:t>18-Feb-21</a:t>
             </a:fld>
             <a:endParaRPr lang="en-US"/>
           </a:p>
@@ -4415,7 +4416,7 @@
           <a:p>
             <a:fld id="{A5727427-7AC8-4899-9196-2DF70C13B96C}" type="datetimeFigureOut">
               <a:rPr lang="en-US" smtClean="0"/>
-              <a:t>16-Feb-21</a:t>
+              <a:t>18-Feb-21</a:t>
             </a:fld>
             <a:endParaRPr lang="en-US"/>
           </a:p>
@@ -4510,7 +4511,7 @@
           <a:p>
             <a:fld id="{A5727427-7AC8-4899-9196-2DF70C13B96C}" type="datetimeFigureOut">
               <a:rPr lang="en-US" smtClean="0"/>
-              <a:t>16-Feb-21</a:t>
+              <a:t>18-Feb-21</a:t>
             </a:fld>
             <a:endParaRPr lang="en-US"/>
           </a:p>
@@ -4793,7 +4794,7 @@
           <a:p>
             <a:fld id="{A5727427-7AC8-4899-9196-2DF70C13B96C}" type="datetimeFigureOut">
               <a:rPr lang="en-US" smtClean="0"/>
-              <a:t>16-Feb-21</a:t>
+              <a:t>18-Feb-21</a:t>
             </a:fld>
             <a:endParaRPr lang="en-US"/>
           </a:p>
@@ -5084,7 +5085,7 @@
           <a:p>
             <a:fld id="{A5727427-7AC8-4899-9196-2DF70C13B96C}" type="datetimeFigureOut">
               <a:rPr lang="en-US" smtClean="0"/>
-              <a:t>16-Feb-21</a:t>
+              <a:t>18-Feb-21</a:t>
             </a:fld>
             <a:endParaRPr lang="en-US"/>
           </a:p>
@@ -5614,7 +5615,7 @@
           <a:p>
             <a:fld id="{A5727427-7AC8-4899-9196-2DF70C13B96C}" type="datetimeFigureOut">
               <a:rPr lang="en-US" smtClean="0"/>
-              <a:t>16-Feb-21</a:t>
+              <a:t>18-Feb-21</a:t>
             </a:fld>
             <a:endParaRPr lang="en-US"/>
           </a:p>
@@ -6186,6 +6187,172 @@
 </p:sld>
 </file>
 
+<file path=ppt/slides/slide10.xml><?xml version="1.0" encoding="utf-8"?>
+<p:sld xmlns:a="http://schemas.openxmlformats.org/drawingml/2006/main" xmlns:r="http://schemas.openxmlformats.org/officeDocument/2006/relationships" xmlns:p="http://schemas.openxmlformats.org/presentationml/2006/main">
+  <p:cSld>
+    <p:spTree>
+      <p:nvGrpSpPr>
+        <p:cNvPr id="1" name=""/>
+        <p:cNvGrpSpPr/>
+        <p:nvPr/>
+      </p:nvGrpSpPr>
+      <p:grpSpPr>
+        <a:xfrm>
+          <a:off x="0" y="0"/>
+          <a:ext cx="0" cy="0"/>
+          <a:chOff x="0" y="0"/>
+          <a:chExt cx="0" cy="0"/>
+        </a:xfrm>
+      </p:grpSpPr>
+      <p:pic>
+        <p:nvPicPr>
+          <p:cNvPr id="2050" name="Picture 2" descr="Carton Batch Coding Machine">
+            <a:extLst>
+              <a:ext uri="{FF2B5EF4-FFF2-40B4-BE49-F238E27FC236}">
+                <a16:creationId xmlns:a16="http://schemas.microsoft.com/office/drawing/2014/main" id="{7513F38E-09DA-49AF-A55D-2A135D0FC844}"/>
+              </a:ext>
+            </a:extLst>
+          </p:cNvPr>
+          <p:cNvPicPr>
+            <a:picLocks noGrp="1" noChangeAspect="1" noChangeArrowheads="1"/>
+          </p:cNvPicPr>
+          <p:nvPr>
+            <p:ph sz="half" idx="1"/>
+          </p:nvPr>
+        </p:nvPicPr>
+        <p:blipFill>
+          <a:blip r:embed="rId2">
+            <a:extLst>
+              <a:ext uri="{28A0092B-C50C-407E-A947-70E740481C1C}">
+                <a14:useLocalDpi xmlns:a14="http://schemas.microsoft.com/office/drawing/2010/main" val="0"/>
+              </a:ext>
+            </a:extLst>
+          </a:blip>
+          <a:stretch>
+            <a:fillRect/>
+          </a:stretch>
+        </p:blipFill>
+        <p:spPr bwMode="auto">
+          <a:xfrm>
+            <a:off x="437710" y="2238375"/>
+            <a:ext cx="2381250" cy="2381250"/>
+          </a:xfrm>
+          <a:prstGeom prst="rect">
+            <a:avLst/>
+          </a:prstGeom>
+          <a:noFill/>
+          <a:extLst>
+            <a:ext uri="{909E8E84-426E-40DD-AFC4-6F175D3DCCD1}">
+              <a14:hiddenFill xmlns:a14="http://schemas.microsoft.com/office/drawing/2010/main">
+                <a:solidFill>
+                  <a:srgbClr val="FFFFFF"/>
+                </a:solidFill>
+              </a14:hiddenFill>
+            </a:ext>
+          </a:extLst>
+        </p:spPr>
+      </p:pic>
+      <p:sp>
+        <p:nvSpPr>
+          <p:cNvPr id="5" name="Content Placeholder 4">
+            <a:extLst>
+              <a:ext uri="{FF2B5EF4-FFF2-40B4-BE49-F238E27FC236}">
+                <a16:creationId xmlns:a16="http://schemas.microsoft.com/office/drawing/2014/main" id="{4FD8924D-8941-4B2A-B893-53885BC6A0C2}"/>
+              </a:ext>
+            </a:extLst>
+          </p:cNvPr>
+          <p:cNvSpPr>
+            <a:spLocks noGrp="1"/>
+          </p:cNvSpPr>
+          <p:nvPr>
+            <p:ph sz="half" idx="2"/>
+          </p:nvPr>
+        </p:nvSpPr>
+        <p:spPr>
+          <a:xfrm>
+            <a:off x="2818960" y="1895963"/>
+            <a:ext cx="7006883" cy="4351338"/>
+          </a:xfrm>
+        </p:spPr>
+        <p:txBody>
+          <a:bodyPr>
+            <a:normAutofit/>
+          </a:bodyPr>
+          <a:lstStyle/>
+          <a:p>
+            <a:pPr marL="0" indent="0">
+              <a:buNone/>
+            </a:pPr>
+            <a:r>
+              <a:rPr lang="en-US" sz="2000" b="0" i="0" dirty="0">
+                <a:solidFill>
+                  <a:srgbClr val="000000"/>
+                </a:solidFill>
+                <a:effectLst/>
+                <a:latin typeface="Times New Roman" panose="02020603050405020304" pitchFamily="18" charset="0"/>
+                <a:cs typeface="Times New Roman" panose="02020603050405020304" pitchFamily="18" charset="0"/>
+              </a:rPr>
+              <a:t>online inkjet printing machine embedded </a:t>
+            </a:r>
+            <a:r>
+              <a:rPr lang="en-US" sz="2000" b="0" i="0" dirty="0" err="1">
+                <a:solidFill>
+                  <a:srgbClr val="000000"/>
+                </a:solidFill>
+                <a:effectLst/>
+                <a:latin typeface="Times New Roman" panose="02020603050405020304" pitchFamily="18" charset="0"/>
+                <a:cs typeface="Times New Roman" panose="02020603050405020304" pitchFamily="18" charset="0"/>
+              </a:rPr>
+              <a:t>linux</a:t>
+            </a:r>
+            <a:r>
+              <a:rPr lang="en-US" sz="2000" b="0" i="0" dirty="0">
+                <a:solidFill>
+                  <a:srgbClr val="000000"/>
+                </a:solidFill>
+                <a:effectLst/>
+                <a:latin typeface="Times New Roman" panose="02020603050405020304" pitchFamily="18" charset="0"/>
+                <a:cs typeface="Times New Roman" panose="02020603050405020304" pitchFamily="18" charset="0"/>
+              </a:rPr>
+              <a:t> operation system. Upgrade system firmware remotely via Wi-Fi connection. The inkjet coding machine can print online automatically with a sensor. Support 180 degrees direction printing.</a:t>
+            </a:r>
+            <a:br>
+              <a:rPr lang="en-US" sz="2000" dirty="0">
+                <a:latin typeface="Times New Roman" panose="02020603050405020304" pitchFamily="18" charset="0"/>
+                <a:cs typeface="Times New Roman" panose="02020603050405020304" pitchFamily="18" charset="0"/>
+              </a:rPr>
+            </a:br>
+            <a:r>
+              <a:rPr lang="en-US" sz="2000" b="0" i="0" dirty="0">
+                <a:solidFill>
+                  <a:srgbClr val="000000"/>
+                </a:solidFill>
+                <a:effectLst/>
+                <a:latin typeface="Times New Roman" panose="02020603050405020304" pitchFamily="18" charset="0"/>
+                <a:cs typeface="Times New Roman" panose="02020603050405020304" pitchFamily="18" charset="0"/>
+              </a:rPr>
+              <a:t>Batch Coding Machine used for Printing Various Pre-made Pouches and it is a best printing equipment to be used in Pharmaceuticals, Chemical Industries, Cosmetic, Food Industries, Automobiles, Seed Processing Units &amp; Electronic Spares Packing for Online Packing of Respective Product ranges.</a:t>
+            </a:r>
+            <a:endParaRPr lang="en-US" sz="2000" dirty="0">
+              <a:latin typeface="Times New Roman" panose="02020603050405020304" pitchFamily="18" charset="0"/>
+              <a:cs typeface="Times New Roman" panose="02020603050405020304" pitchFamily="18" charset="0"/>
+            </a:endParaRPr>
+          </a:p>
+        </p:txBody>
+      </p:sp>
+    </p:spTree>
+    <p:extLst>
+      <p:ext uri="{BB962C8B-B14F-4D97-AF65-F5344CB8AC3E}">
+        <p14:creationId xmlns:p14="http://schemas.microsoft.com/office/powerpoint/2010/main" val="1329679234"/>
+      </p:ext>
+    </p:extLst>
+  </p:cSld>
+  <p:clrMapOvr>
+    <a:masterClrMapping/>
+  </p:clrMapOvr>
+</p:sld>
+</file>
+
 <file path=ppt/slides/slide2.xml><?xml version="1.0" encoding="utf-8"?>
 <p:sld xmlns:a="http://schemas.openxmlformats.org/drawingml/2006/main" xmlns:r="http://schemas.openxmlformats.org/officeDocument/2006/relationships" xmlns:p="http://schemas.openxmlformats.org/presentationml/2006/main">
   <p:cSld>
@@ -6361,7 +6528,7 @@
                 <a:latin typeface="Times New Roman" panose="02020603050405020304" pitchFamily="18" charset="0"/>
                 <a:cs typeface="Times New Roman" panose="02020603050405020304" pitchFamily="18" charset="0"/>
               </a:rPr>
-              <a:t>Design and simulation of low cost packaging machine in synchronization with assembly line</a:t>
+              <a:t>Design and simulation of low-cost packaging machine in synchronization with assembly line</a:t>
             </a:r>
           </a:p>
           <a:p>
@@ -6370,7 +6537,7 @@
                 <a:latin typeface="Times New Roman" panose="02020603050405020304" pitchFamily="18" charset="0"/>
                 <a:cs typeface="Times New Roman" panose="02020603050405020304" pitchFamily="18" charset="0"/>
               </a:rPr>
-              <a:t>Fabrication of low cost automatic form, filling and sealing machine</a:t>
+              <a:t>Fabrication of low-cost automatic form, filling and sealing machine</a:t>
             </a:r>
           </a:p>
           <a:p>
@@ -6451,7 +6618,7 @@
           <p:cNvPr id="2" name="Title 1">
             <a:extLst>
               <a:ext uri="{FF2B5EF4-FFF2-40B4-BE49-F238E27FC236}">
-                <a16:creationId xmlns:a16="http://schemas.microsoft.com/office/drawing/2014/main" id="{A9B1C286-5CF7-4E7A-BF74-FCB9FEFEE213}"/>
+                <a16:creationId xmlns:a16="http://schemas.microsoft.com/office/drawing/2014/main" id="{1229A529-8C98-4751-B3ED-D987AD1FDBCE}"/>
               </a:ext>
             </a:extLst>
           </p:cNvPr>
@@ -6464,166 +6631,1095 @@
         </p:nvSpPr>
         <p:spPr>
           <a:xfrm>
-            <a:off x="838200" y="365126"/>
-            <a:ext cx="10515600" cy="675884"/>
+            <a:off x="1484311" y="685800"/>
+            <a:ext cx="10018713" cy="959209"/>
           </a:xfrm>
         </p:spPr>
         <p:txBody>
           <a:bodyPr>
-            <a:normAutofit fontScale="90000"/>
+            <a:noAutofit/>
           </a:bodyPr>
           <a:lstStyle/>
           <a:p>
             <a:r>
-              <a:rPr lang="en-US" dirty="0"/>
-              <a:t>APPLICATION</a:t>
-            </a:r>
-          </a:p>
-        </p:txBody>
-      </p:sp>
-      <p:sp>
-        <p:nvSpPr>
-          <p:cNvPr id="3" name="Content Placeholder 2">
+              <a:rPr lang="en-US" dirty="0">
+                <a:latin typeface="Times New Roman" panose="02020603050405020304" pitchFamily="18" charset="0"/>
+                <a:cs typeface="Times New Roman" panose="02020603050405020304" pitchFamily="18" charset="0"/>
+              </a:rPr>
+              <a:t>BLOCK DIAGRAM</a:t>
+            </a:r>
+          </a:p>
+        </p:txBody>
+      </p:sp>
+      <p:sp>
+        <p:nvSpPr>
+          <p:cNvPr id="20" name="Rectangle 17">
             <a:extLst>
               <a:ext uri="{FF2B5EF4-FFF2-40B4-BE49-F238E27FC236}">
-                <a16:creationId xmlns:a16="http://schemas.microsoft.com/office/drawing/2014/main" id="{03FFC363-6B37-4E04-8E37-8329241064E1}"/>
+                <a16:creationId xmlns:a16="http://schemas.microsoft.com/office/drawing/2014/main" id="{279DA60A-659E-45B8-B8CA-E7E9994125B7}"/>
               </a:ext>
             </a:extLst>
           </p:cNvPr>
           <p:cNvSpPr>
-            <a:spLocks noGrp="1"/>
-          </p:cNvSpPr>
-          <p:nvPr>
-            <p:ph idx="1"/>
-          </p:nvPr>
-        </p:nvSpPr>
+            <a:spLocks noChangeArrowheads="1"/>
+          </p:cNvSpPr>
+          <p:nvPr/>
+        </p:nvSpPr>
+        <p:spPr bwMode="auto">
+          <a:xfrm>
+            <a:off x="8335259" y="2534083"/>
+            <a:ext cx="1685456" cy="2266273"/>
+          </a:xfrm>
+          <a:prstGeom prst="rect">
+            <a:avLst/>
+          </a:prstGeom>
+          <a:solidFill>
+            <a:srgbClr val="FFFFFF"/>
+          </a:solidFill>
+          <a:ln w="12700">
+            <a:solidFill>
+              <a:srgbClr val="70AD47"/>
+            </a:solidFill>
+            <a:miter lim="800000"/>
+            <a:headEnd/>
+            <a:tailEnd/>
+          </a:ln>
+        </p:spPr>
+        <p:txBody>
+          <a:bodyPr vert="horz" wrap="square" lIns="91440" tIns="45720" rIns="91440" bIns="45720" numCol="1" anchor="ctr" anchorCtr="0" compatLnSpc="1">
+            <a:prstTxWarp prst="textNoShape">
+              <a:avLst/>
+            </a:prstTxWarp>
+          </a:bodyPr>
+          <a:lstStyle/>
+          <a:p>
+            <a:pPr marL="0" marR="0" lvl="0" indent="0" algn="ctr" defTabSz="914400" rtl="0" eaLnBrk="0" fontAlgn="base" latinLnBrk="0" hangingPunct="0">
+              <a:lnSpc>
+                <a:spcPct val="100000"/>
+              </a:lnSpc>
+              <a:spcBef>
+                <a:spcPct val="0"/>
+              </a:spcBef>
+              <a:spcAft>
+                <a:spcPct val="0"/>
+              </a:spcAft>
+              <a:buClrTx/>
+              <a:buSzTx/>
+              <a:buFontTx/>
+              <a:buNone/>
+              <a:tabLst/>
+            </a:pPr>
+            <a:r>
+              <a:rPr kumimoji="0" lang="en-US" altLang="en-US" sz="2000" b="0" i="0" u="none" strike="noStrike" cap="none" normalizeH="0" baseline="0">
+                <a:ln>
+                  <a:noFill/>
+                </a:ln>
+                <a:solidFill>
+                  <a:schemeClr val="tx1"/>
+                </a:solidFill>
+                <a:effectLst/>
+                <a:latin typeface="Times New Roman" panose="02020603050405020304" pitchFamily="18" charset="0"/>
+                <a:ea typeface="Calibri" panose="020F0502020204030204" pitchFamily="34" charset="0"/>
+                <a:cs typeface="Times New Roman" panose="02020603050405020304" pitchFamily="18" charset="0"/>
+              </a:rPr>
+              <a:t>Inkjet printing machine</a:t>
+            </a:r>
+            <a:endParaRPr kumimoji="0" lang="en-US" altLang="en-US" sz="3600" b="0" i="0" u="none" strike="noStrike" cap="none" normalizeH="0" baseline="0">
+              <a:ln>
+                <a:noFill/>
+              </a:ln>
+              <a:solidFill>
+                <a:schemeClr val="tx1"/>
+              </a:solidFill>
+              <a:effectLst/>
+              <a:latin typeface="Times New Roman" panose="02020603050405020304" pitchFamily="18" charset="0"/>
+              <a:cs typeface="Times New Roman" panose="02020603050405020304" pitchFamily="18" charset="0"/>
+            </a:endParaRPr>
+          </a:p>
+        </p:txBody>
+      </p:sp>
+      <p:sp>
+        <p:nvSpPr>
+          <p:cNvPr id="21" name="Rectangle 6">
+            <a:extLst>
+              <a:ext uri="{FF2B5EF4-FFF2-40B4-BE49-F238E27FC236}">
+                <a16:creationId xmlns:a16="http://schemas.microsoft.com/office/drawing/2014/main" id="{32854128-2ED8-4295-9644-1C1956BDAED4}"/>
+              </a:ext>
+            </a:extLst>
+          </p:cNvPr>
+          <p:cNvSpPr>
+            <a:spLocks noChangeArrowheads="1"/>
+          </p:cNvSpPr>
+          <p:nvPr/>
+        </p:nvSpPr>
+        <p:spPr bwMode="auto">
+          <a:xfrm>
+            <a:off x="8296660" y="5302141"/>
+            <a:ext cx="1762653" cy="638616"/>
+          </a:xfrm>
+          <a:prstGeom prst="rect">
+            <a:avLst/>
+          </a:prstGeom>
+          <a:solidFill>
+            <a:srgbClr val="FFFFFF"/>
+          </a:solidFill>
+          <a:ln w="12700">
+            <a:solidFill>
+              <a:srgbClr val="70AD47"/>
+            </a:solidFill>
+            <a:miter lim="800000"/>
+            <a:headEnd/>
+            <a:tailEnd/>
+          </a:ln>
+        </p:spPr>
+        <p:txBody>
+          <a:bodyPr vert="horz" wrap="square" lIns="91440" tIns="45720" rIns="91440" bIns="45720" numCol="1" anchor="ctr" anchorCtr="0" compatLnSpc="1">
+            <a:prstTxWarp prst="textNoShape">
+              <a:avLst/>
+            </a:prstTxWarp>
+          </a:bodyPr>
+          <a:lstStyle/>
+          <a:p>
+            <a:pPr marL="0" marR="0" lvl="0" indent="0" algn="ctr" defTabSz="914400" rtl="0" eaLnBrk="0" fontAlgn="base" latinLnBrk="0" hangingPunct="0">
+              <a:lnSpc>
+                <a:spcPct val="100000"/>
+              </a:lnSpc>
+              <a:spcBef>
+                <a:spcPct val="0"/>
+              </a:spcBef>
+              <a:spcAft>
+                <a:spcPct val="0"/>
+              </a:spcAft>
+              <a:buClrTx/>
+              <a:buSzTx/>
+              <a:buFontTx/>
+              <a:buNone/>
+              <a:tabLst/>
+            </a:pPr>
+            <a:r>
+              <a:rPr kumimoji="0" lang="en-US" altLang="en-US" sz="2000" b="0" i="0" u="none" strike="noStrike" cap="none" normalizeH="0" baseline="0" dirty="0">
+                <a:ln>
+                  <a:noFill/>
+                </a:ln>
+                <a:solidFill>
+                  <a:schemeClr val="tx1"/>
+                </a:solidFill>
+                <a:effectLst/>
+                <a:latin typeface="Times New Roman" panose="02020603050405020304" pitchFamily="18" charset="0"/>
+                <a:ea typeface="Calibri" panose="020F0502020204030204" pitchFamily="34" charset="0"/>
+                <a:cs typeface="Times New Roman" panose="02020603050405020304" pitchFamily="18" charset="0"/>
+              </a:rPr>
+              <a:t>Labelled package</a:t>
+            </a:r>
+            <a:endParaRPr kumimoji="0" lang="en-US" altLang="en-US" sz="3600" b="0" i="0" u="none" strike="noStrike" cap="none" normalizeH="0" baseline="0" dirty="0">
+              <a:ln>
+                <a:noFill/>
+              </a:ln>
+              <a:solidFill>
+                <a:schemeClr val="tx1"/>
+              </a:solidFill>
+              <a:effectLst/>
+              <a:latin typeface="Times New Roman" panose="02020603050405020304" pitchFamily="18" charset="0"/>
+              <a:cs typeface="Times New Roman" panose="02020603050405020304" pitchFamily="18" charset="0"/>
+            </a:endParaRPr>
+          </a:p>
+        </p:txBody>
+      </p:sp>
+      <p:sp>
+        <p:nvSpPr>
+          <p:cNvPr id="22" name="Rectangle 10">
+            <a:extLst>
+              <a:ext uri="{FF2B5EF4-FFF2-40B4-BE49-F238E27FC236}">
+                <a16:creationId xmlns:a16="http://schemas.microsoft.com/office/drawing/2014/main" id="{D6D7C6F8-BED8-4980-B6A0-4E7C7AFACF38}"/>
+              </a:ext>
+            </a:extLst>
+          </p:cNvPr>
+          <p:cNvSpPr>
+            <a:spLocks noChangeArrowheads="1"/>
+          </p:cNvSpPr>
+          <p:nvPr/>
+        </p:nvSpPr>
+        <p:spPr bwMode="auto">
+          <a:xfrm>
+            <a:off x="3683362" y="2374515"/>
+            <a:ext cx="1835688" cy="3166488"/>
+          </a:xfrm>
+          <a:prstGeom prst="rect">
+            <a:avLst/>
+          </a:prstGeom>
+          <a:solidFill>
+            <a:srgbClr val="FFFFFF"/>
+          </a:solidFill>
+          <a:ln w="12700">
+            <a:solidFill>
+              <a:srgbClr val="70AD47"/>
+            </a:solidFill>
+            <a:miter lim="800000"/>
+            <a:headEnd/>
+            <a:tailEnd/>
+          </a:ln>
+        </p:spPr>
+        <p:txBody>
+          <a:bodyPr vert="horz" wrap="square" lIns="91440" tIns="45720" rIns="91440" bIns="45720" numCol="1" anchor="ctr" anchorCtr="0" compatLnSpc="1">
+            <a:prstTxWarp prst="textNoShape">
+              <a:avLst/>
+            </a:prstTxWarp>
+          </a:bodyPr>
+          <a:lstStyle/>
+          <a:p>
+            <a:pPr marL="0" marR="0" lvl="0" indent="0" algn="ctr" defTabSz="914400" rtl="0" eaLnBrk="0" fontAlgn="base" latinLnBrk="0" hangingPunct="0">
+              <a:lnSpc>
+                <a:spcPct val="100000"/>
+              </a:lnSpc>
+              <a:spcBef>
+                <a:spcPct val="0"/>
+              </a:spcBef>
+              <a:spcAft>
+                <a:spcPct val="0"/>
+              </a:spcAft>
+              <a:buClrTx/>
+              <a:buSzTx/>
+              <a:buFontTx/>
+              <a:buNone/>
+              <a:tabLst/>
+            </a:pPr>
+            <a:r>
+              <a:rPr kumimoji="0" lang="en-US" altLang="en-US" sz="2000" b="0" i="0" u="none" strike="noStrike" cap="none" normalizeH="0" baseline="0" dirty="0">
+                <a:ln>
+                  <a:noFill/>
+                </a:ln>
+                <a:solidFill>
+                  <a:schemeClr val="tx1"/>
+                </a:solidFill>
+                <a:effectLst/>
+                <a:latin typeface="Times New Roman" panose="02020603050405020304" pitchFamily="18" charset="0"/>
+                <a:ea typeface="Calibri" panose="020F0502020204030204" pitchFamily="34" charset="0"/>
+                <a:cs typeface="Times New Roman" panose="02020603050405020304" pitchFamily="18" charset="0"/>
+              </a:rPr>
+              <a:t>Package machine</a:t>
+            </a:r>
+            <a:endParaRPr kumimoji="0" lang="en-US" altLang="en-US" sz="3600" b="0" i="0" u="none" strike="noStrike" cap="none" normalizeH="0" baseline="0" dirty="0">
+              <a:ln>
+                <a:noFill/>
+              </a:ln>
+              <a:solidFill>
+                <a:schemeClr val="tx1"/>
+              </a:solidFill>
+              <a:effectLst/>
+              <a:latin typeface="Times New Roman" panose="02020603050405020304" pitchFamily="18" charset="0"/>
+              <a:cs typeface="Times New Roman" panose="02020603050405020304" pitchFamily="18" charset="0"/>
+            </a:endParaRPr>
+          </a:p>
+        </p:txBody>
+      </p:sp>
+      <p:sp>
+        <p:nvSpPr>
+          <p:cNvPr id="23" name="Rectangle 20">
+            <a:extLst>
+              <a:ext uri="{FF2B5EF4-FFF2-40B4-BE49-F238E27FC236}">
+                <a16:creationId xmlns:a16="http://schemas.microsoft.com/office/drawing/2014/main" id="{97CEED80-37A4-4761-BFAE-E3A5BE49B0CA}"/>
+              </a:ext>
+            </a:extLst>
+          </p:cNvPr>
+          <p:cNvSpPr>
+            <a:spLocks noChangeArrowheads="1"/>
+          </p:cNvSpPr>
+          <p:nvPr/>
+        </p:nvSpPr>
+        <p:spPr bwMode="auto">
+          <a:xfrm>
+            <a:off x="1484311" y="2600374"/>
+            <a:ext cx="1379142" cy="818559"/>
+          </a:xfrm>
+          <a:prstGeom prst="rect">
+            <a:avLst/>
+          </a:prstGeom>
+          <a:solidFill>
+            <a:srgbClr val="FFFFFF"/>
+          </a:solidFill>
+          <a:ln w="12700">
+            <a:solidFill>
+              <a:srgbClr val="70AD47"/>
+            </a:solidFill>
+            <a:miter lim="800000"/>
+            <a:headEnd/>
+            <a:tailEnd/>
+          </a:ln>
+        </p:spPr>
+        <p:txBody>
+          <a:bodyPr vert="horz" wrap="square" lIns="91440" tIns="45720" rIns="91440" bIns="45720" numCol="1" anchor="ctr" anchorCtr="0" compatLnSpc="1">
+            <a:prstTxWarp prst="textNoShape">
+              <a:avLst/>
+            </a:prstTxWarp>
+          </a:bodyPr>
+          <a:lstStyle/>
+          <a:p>
+            <a:pPr marL="0" marR="0" lvl="0" indent="0" algn="ctr" defTabSz="914400" rtl="0" eaLnBrk="0" fontAlgn="base" latinLnBrk="0" hangingPunct="0">
+              <a:lnSpc>
+                <a:spcPct val="100000"/>
+              </a:lnSpc>
+              <a:spcBef>
+                <a:spcPct val="0"/>
+              </a:spcBef>
+              <a:spcAft>
+                <a:spcPct val="0"/>
+              </a:spcAft>
+              <a:buClrTx/>
+              <a:buSzTx/>
+              <a:buFontTx/>
+              <a:buNone/>
+              <a:tabLst/>
+            </a:pPr>
+            <a:r>
+              <a:rPr kumimoji="0" lang="en-US" altLang="en-US" sz="2000" b="0" i="0" u="none" strike="noStrike" cap="none" normalizeH="0" baseline="0" dirty="0">
+                <a:ln>
+                  <a:noFill/>
+                </a:ln>
+                <a:solidFill>
+                  <a:schemeClr val="tx1"/>
+                </a:solidFill>
+                <a:effectLst/>
+                <a:latin typeface="Times New Roman" panose="02020603050405020304" pitchFamily="18" charset="0"/>
+                <a:ea typeface="Calibri" panose="020F0502020204030204" pitchFamily="34" charset="0"/>
+                <a:cs typeface="Times New Roman" panose="02020603050405020304" pitchFamily="18" charset="0"/>
+              </a:rPr>
+              <a:t>Packaging  material</a:t>
+            </a:r>
+            <a:endParaRPr kumimoji="0" lang="en-US" altLang="en-US" sz="3600" b="0" i="0" u="none" strike="noStrike" cap="none" normalizeH="0" baseline="0" dirty="0">
+              <a:ln>
+                <a:noFill/>
+              </a:ln>
+              <a:solidFill>
+                <a:schemeClr val="tx1"/>
+              </a:solidFill>
+              <a:effectLst/>
+              <a:latin typeface="Times New Roman" panose="02020603050405020304" pitchFamily="18" charset="0"/>
+              <a:cs typeface="Times New Roman" panose="02020603050405020304" pitchFamily="18" charset="0"/>
+            </a:endParaRPr>
+          </a:p>
+        </p:txBody>
+      </p:sp>
+      <p:sp>
+        <p:nvSpPr>
+          <p:cNvPr id="24" name="Rectangle 22">
+            <a:extLst>
+              <a:ext uri="{FF2B5EF4-FFF2-40B4-BE49-F238E27FC236}">
+                <a16:creationId xmlns:a16="http://schemas.microsoft.com/office/drawing/2014/main" id="{1B25D17C-2CBE-4407-9538-EB22A5B7CB23}"/>
+              </a:ext>
+            </a:extLst>
+          </p:cNvPr>
+          <p:cNvSpPr>
+            <a:spLocks noChangeArrowheads="1"/>
+          </p:cNvSpPr>
+          <p:nvPr/>
+        </p:nvSpPr>
+        <p:spPr bwMode="auto">
+          <a:xfrm>
+            <a:off x="6514923" y="4341443"/>
+            <a:ext cx="1248010" cy="460397"/>
+          </a:xfrm>
+          <a:prstGeom prst="rect">
+            <a:avLst/>
+          </a:prstGeom>
+          <a:solidFill>
+            <a:srgbClr val="FFFFFF"/>
+          </a:solidFill>
+          <a:ln w="12700">
+            <a:solidFill>
+              <a:srgbClr val="70AD47"/>
+            </a:solidFill>
+            <a:miter lim="800000"/>
+            <a:headEnd/>
+            <a:tailEnd/>
+          </a:ln>
+        </p:spPr>
+        <p:txBody>
+          <a:bodyPr vert="horz" wrap="square" lIns="91440" tIns="45720" rIns="91440" bIns="45720" numCol="1" anchor="ctr" anchorCtr="0" compatLnSpc="1">
+            <a:prstTxWarp prst="textNoShape">
+              <a:avLst/>
+            </a:prstTxWarp>
+          </a:bodyPr>
+          <a:lstStyle/>
+          <a:p>
+            <a:pPr marL="0" marR="0" lvl="0" indent="0" algn="ctr" defTabSz="914400" rtl="0" eaLnBrk="0" fontAlgn="base" latinLnBrk="0" hangingPunct="0">
+              <a:lnSpc>
+                <a:spcPct val="100000"/>
+              </a:lnSpc>
+              <a:spcBef>
+                <a:spcPct val="0"/>
+              </a:spcBef>
+              <a:spcAft>
+                <a:spcPct val="0"/>
+              </a:spcAft>
+              <a:buClrTx/>
+              <a:buSzTx/>
+              <a:buFontTx/>
+              <a:buNone/>
+              <a:tabLst/>
+            </a:pPr>
+            <a:r>
+              <a:rPr kumimoji="0" lang="en-US" altLang="en-US" sz="2000" b="0" i="0" u="none" strike="noStrike" cap="none" normalizeH="0" baseline="0">
+                <a:ln>
+                  <a:noFill/>
+                </a:ln>
+                <a:solidFill>
+                  <a:schemeClr val="tx1"/>
+                </a:solidFill>
+                <a:effectLst/>
+                <a:latin typeface="Times New Roman" panose="02020603050405020304" pitchFamily="18" charset="0"/>
+                <a:ea typeface="Calibri" panose="020F0502020204030204" pitchFamily="34" charset="0"/>
+                <a:cs typeface="Times New Roman" panose="02020603050405020304" pitchFamily="18" charset="0"/>
+              </a:rPr>
+              <a:t>Data </a:t>
+            </a:r>
+            <a:endParaRPr kumimoji="0" lang="en-US" altLang="en-US" sz="3600" b="0" i="0" u="none" strike="noStrike" cap="none" normalizeH="0" baseline="0">
+              <a:ln>
+                <a:noFill/>
+              </a:ln>
+              <a:solidFill>
+                <a:schemeClr val="tx1"/>
+              </a:solidFill>
+              <a:effectLst/>
+              <a:latin typeface="Times New Roman" panose="02020603050405020304" pitchFamily="18" charset="0"/>
+              <a:cs typeface="Times New Roman" panose="02020603050405020304" pitchFamily="18" charset="0"/>
+            </a:endParaRPr>
+          </a:p>
+        </p:txBody>
+      </p:sp>
+      <p:sp>
+        <p:nvSpPr>
+          <p:cNvPr id="25" name="Rectangle 24">
+            <a:extLst>
+              <a:ext uri="{FF2B5EF4-FFF2-40B4-BE49-F238E27FC236}">
+                <a16:creationId xmlns:a16="http://schemas.microsoft.com/office/drawing/2014/main" id="{A15E344E-E792-4E63-9A53-0240CF4C753F}"/>
+              </a:ext>
+            </a:extLst>
+          </p:cNvPr>
+          <p:cNvSpPr>
+            <a:spLocks noChangeArrowheads="1"/>
+          </p:cNvSpPr>
+          <p:nvPr/>
+        </p:nvSpPr>
+        <p:spPr bwMode="auto">
+          <a:xfrm>
+            <a:off x="1485578" y="3632580"/>
+            <a:ext cx="1402402" cy="712874"/>
+          </a:xfrm>
+          <a:prstGeom prst="rect">
+            <a:avLst/>
+          </a:prstGeom>
+          <a:solidFill>
+            <a:srgbClr val="FFFFFF"/>
+          </a:solidFill>
+          <a:ln w="12700">
+            <a:solidFill>
+              <a:srgbClr val="70AD47"/>
+            </a:solidFill>
+            <a:miter lim="800000"/>
+            <a:headEnd/>
+            <a:tailEnd/>
+          </a:ln>
+        </p:spPr>
+        <p:txBody>
+          <a:bodyPr vert="horz" wrap="square" lIns="91440" tIns="45720" rIns="91440" bIns="45720" numCol="1" anchor="ctr" anchorCtr="0" compatLnSpc="1">
+            <a:prstTxWarp prst="textNoShape">
+              <a:avLst/>
+            </a:prstTxWarp>
+          </a:bodyPr>
+          <a:lstStyle/>
+          <a:p>
+            <a:pPr marL="0" marR="0" lvl="0" indent="0" algn="ctr" defTabSz="914400" rtl="0" eaLnBrk="0" fontAlgn="base" latinLnBrk="0" hangingPunct="0">
+              <a:lnSpc>
+                <a:spcPct val="100000"/>
+              </a:lnSpc>
+              <a:spcBef>
+                <a:spcPct val="0"/>
+              </a:spcBef>
+              <a:spcAft>
+                <a:spcPct val="0"/>
+              </a:spcAft>
+              <a:buClrTx/>
+              <a:buSzTx/>
+              <a:buFontTx/>
+              <a:buNone/>
+              <a:tabLst/>
+            </a:pPr>
+            <a:r>
+              <a:rPr kumimoji="0" lang="en-US" altLang="en-US" sz="2000" b="0" i="0" u="none" strike="noStrike" cap="none" normalizeH="0" baseline="0">
+                <a:ln>
+                  <a:noFill/>
+                </a:ln>
+                <a:solidFill>
+                  <a:schemeClr val="tx1"/>
+                </a:solidFill>
+                <a:effectLst/>
+                <a:latin typeface="Times New Roman" panose="02020603050405020304" pitchFamily="18" charset="0"/>
+                <a:ea typeface="Calibri" panose="020F0502020204030204" pitchFamily="34" charset="0"/>
+                <a:cs typeface="Times New Roman" panose="02020603050405020304" pitchFamily="18" charset="0"/>
+              </a:rPr>
+              <a:t>Product to be packed.</a:t>
+            </a:r>
+            <a:endParaRPr kumimoji="0" lang="en-US" altLang="en-US" sz="3600" b="0" i="0" u="none" strike="noStrike" cap="none" normalizeH="0" baseline="0">
+              <a:ln>
+                <a:noFill/>
+              </a:ln>
+              <a:solidFill>
+                <a:schemeClr val="tx1"/>
+              </a:solidFill>
+              <a:effectLst/>
+              <a:latin typeface="Times New Roman" panose="02020603050405020304" pitchFamily="18" charset="0"/>
+              <a:cs typeface="Times New Roman" panose="02020603050405020304" pitchFamily="18" charset="0"/>
+            </a:endParaRPr>
+          </a:p>
+        </p:txBody>
+      </p:sp>
+      <p:sp>
+        <p:nvSpPr>
+          <p:cNvPr id="26" name="Rectangle 26">
+            <a:extLst>
+              <a:ext uri="{FF2B5EF4-FFF2-40B4-BE49-F238E27FC236}">
+                <a16:creationId xmlns:a16="http://schemas.microsoft.com/office/drawing/2014/main" id="{D85EFFAB-F4BB-42AA-B540-FF349CC88F60}"/>
+              </a:ext>
+            </a:extLst>
+          </p:cNvPr>
+          <p:cNvSpPr>
+            <a:spLocks noChangeArrowheads="1"/>
+          </p:cNvSpPr>
+          <p:nvPr/>
+        </p:nvSpPr>
+        <p:spPr bwMode="auto">
+          <a:xfrm>
+            <a:off x="6069139" y="2678956"/>
+            <a:ext cx="1685456" cy="1192085"/>
+          </a:xfrm>
+          <a:prstGeom prst="rect">
+            <a:avLst/>
+          </a:prstGeom>
+          <a:solidFill>
+            <a:srgbClr val="FFFFFF"/>
+          </a:solidFill>
+          <a:ln w="12700">
+            <a:solidFill>
+              <a:srgbClr val="70AD47"/>
+            </a:solidFill>
+            <a:miter lim="800000"/>
+            <a:headEnd/>
+            <a:tailEnd/>
+          </a:ln>
+        </p:spPr>
+        <p:txBody>
+          <a:bodyPr vert="horz" wrap="square" lIns="91440" tIns="45720" rIns="91440" bIns="45720" numCol="1" anchor="ctr" anchorCtr="0" compatLnSpc="1">
+            <a:prstTxWarp prst="textNoShape">
+              <a:avLst/>
+            </a:prstTxWarp>
+          </a:bodyPr>
+          <a:lstStyle/>
+          <a:p>
+            <a:pPr marL="0" marR="0" lvl="0" indent="0" algn="ctr" defTabSz="914400" rtl="0" eaLnBrk="0" fontAlgn="base" latinLnBrk="0" hangingPunct="0">
+              <a:lnSpc>
+                <a:spcPct val="100000"/>
+              </a:lnSpc>
+              <a:spcBef>
+                <a:spcPct val="0"/>
+              </a:spcBef>
+              <a:spcAft>
+                <a:spcPct val="0"/>
+              </a:spcAft>
+              <a:buClrTx/>
+              <a:buSzTx/>
+              <a:buFontTx/>
+              <a:buNone/>
+              <a:tabLst/>
+            </a:pPr>
+            <a:r>
+              <a:rPr kumimoji="0" lang="en-US" altLang="en-US" sz="2000" b="0" i="0" u="none" strike="noStrike" cap="none" normalizeH="0" baseline="0" dirty="0">
+                <a:ln>
+                  <a:noFill/>
+                </a:ln>
+                <a:solidFill>
+                  <a:schemeClr val="tx1"/>
+                </a:solidFill>
+                <a:effectLst/>
+                <a:latin typeface="Times New Roman" panose="02020603050405020304" pitchFamily="18" charset="0"/>
+                <a:ea typeface="Calibri" panose="020F0502020204030204" pitchFamily="34" charset="0"/>
+                <a:cs typeface="Times New Roman" panose="02020603050405020304" pitchFamily="18" charset="0"/>
+              </a:rPr>
+              <a:t>Product with  sealed package</a:t>
+            </a:r>
+            <a:endParaRPr kumimoji="0" lang="en-US" altLang="en-US" sz="3600" b="0" i="0" u="none" strike="noStrike" cap="none" normalizeH="0" baseline="0" dirty="0">
+              <a:ln>
+                <a:noFill/>
+              </a:ln>
+              <a:solidFill>
+                <a:schemeClr val="tx1"/>
+              </a:solidFill>
+              <a:effectLst/>
+              <a:latin typeface="Times New Roman" panose="02020603050405020304" pitchFamily="18" charset="0"/>
+              <a:cs typeface="Times New Roman" panose="02020603050405020304" pitchFamily="18" charset="0"/>
+            </a:endParaRPr>
+          </a:p>
+        </p:txBody>
+      </p:sp>
+      <p:sp>
+        <p:nvSpPr>
+          <p:cNvPr id="27" name="Rectangle 28">
+            <a:extLst>
+              <a:ext uri="{FF2B5EF4-FFF2-40B4-BE49-F238E27FC236}">
+                <a16:creationId xmlns:a16="http://schemas.microsoft.com/office/drawing/2014/main" id="{2E042C85-674F-4223-BD9F-05BCF5FCEE1A}"/>
+              </a:ext>
+            </a:extLst>
+          </p:cNvPr>
+          <p:cNvSpPr>
+            <a:spLocks noChangeArrowheads="1"/>
+          </p:cNvSpPr>
+          <p:nvPr/>
+        </p:nvSpPr>
+        <p:spPr bwMode="auto">
+          <a:xfrm>
+            <a:off x="1485578" y="4571642"/>
+            <a:ext cx="1402402" cy="698023"/>
+          </a:xfrm>
+          <a:prstGeom prst="rect">
+            <a:avLst/>
+          </a:prstGeom>
+          <a:solidFill>
+            <a:srgbClr val="FFFFFF"/>
+          </a:solidFill>
+          <a:ln w="12700">
+            <a:solidFill>
+              <a:srgbClr val="70AD47"/>
+            </a:solidFill>
+            <a:miter lim="800000"/>
+            <a:headEnd/>
+            <a:tailEnd/>
+          </a:ln>
+        </p:spPr>
+        <p:txBody>
+          <a:bodyPr vert="horz" wrap="square" lIns="91440" tIns="45720" rIns="91440" bIns="45720" numCol="1" anchor="ctr" anchorCtr="0" compatLnSpc="1">
+            <a:prstTxWarp prst="textNoShape">
+              <a:avLst/>
+            </a:prstTxWarp>
+          </a:bodyPr>
+          <a:lstStyle/>
+          <a:p>
+            <a:pPr marL="0" marR="0" lvl="0" indent="0" algn="ctr" defTabSz="914400" rtl="0" eaLnBrk="0" fontAlgn="base" latinLnBrk="0" hangingPunct="0">
+              <a:lnSpc>
+                <a:spcPct val="100000"/>
+              </a:lnSpc>
+              <a:spcBef>
+                <a:spcPct val="0"/>
+              </a:spcBef>
+              <a:spcAft>
+                <a:spcPct val="0"/>
+              </a:spcAft>
+              <a:buClrTx/>
+              <a:buSzTx/>
+              <a:buFontTx/>
+              <a:buNone/>
+              <a:tabLst/>
+            </a:pPr>
+            <a:r>
+              <a:rPr kumimoji="0" lang="en-US" altLang="en-US" sz="2000" b="0" i="0" u="none" strike="noStrike" cap="none" normalizeH="0" baseline="0">
+                <a:ln>
+                  <a:noFill/>
+                </a:ln>
+                <a:solidFill>
+                  <a:schemeClr val="tx1"/>
+                </a:solidFill>
+                <a:effectLst/>
+                <a:latin typeface="Times New Roman" panose="02020603050405020304" pitchFamily="18" charset="0"/>
+                <a:ea typeface="Calibri" panose="020F0502020204030204" pitchFamily="34" charset="0"/>
+                <a:cs typeface="Times New Roman" panose="02020603050405020304" pitchFamily="18" charset="0"/>
+              </a:rPr>
+              <a:t>Photocell sensor</a:t>
+            </a:r>
+            <a:endParaRPr kumimoji="0" lang="en-US" altLang="en-US" sz="3600" b="0" i="0" u="none" strike="noStrike" cap="none" normalizeH="0" baseline="0">
+              <a:ln>
+                <a:noFill/>
+              </a:ln>
+              <a:solidFill>
+                <a:schemeClr val="tx1"/>
+              </a:solidFill>
+              <a:effectLst/>
+              <a:latin typeface="Times New Roman" panose="02020603050405020304" pitchFamily="18" charset="0"/>
+              <a:cs typeface="Times New Roman" panose="02020603050405020304" pitchFamily="18" charset="0"/>
+            </a:endParaRPr>
+          </a:p>
+        </p:txBody>
+      </p:sp>
+      <p:cxnSp>
+        <p:nvCxnSpPr>
+          <p:cNvPr id="28" name="Straight Arrow Connector 27">
+            <a:extLst>
+              <a:ext uri="{FF2B5EF4-FFF2-40B4-BE49-F238E27FC236}">
+                <a16:creationId xmlns:a16="http://schemas.microsoft.com/office/drawing/2014/main" id="{2F1E6BD1-EE85-4E80-A806-A785B8CA83A0}"/>
+              </a:ext>
+            </a:extLst>
+          </p:cNvPr>
+          <p:cNvCxnSpPr/>
+          <p:nvPr/>
+        </p:nvCxnSpPr>
         <p:spPr>
           <a:xfrm>
-            <a:off x="838200" y="1041010"/>
-            <a:ext cx="10515600" cy="5451864"/>
+            <a:off x="7754595" y="3307495"/>
+            <a:ext cx="553241" cy="0"/>
           </a:xfrm>
+          <a:prstGeom prst="straightConnector1">
+            <a:avLst/>
+          </a:prstGeom>
+          <a:ln>
+            <a:solidFill>
+              <a:schemeClr val="tx1"/>
+            </a:solidFill>
+            <a:tailEnd type="triangle"/>
+          </a:ln>
         </p:spPr>
-        <p:txBody>
-          <a:bodyPr>
-            <a:normAutofit/>
+        <p:style>
+          <a:lnRef idx="1">
+            <a:schemeClr val="accent1"/>
+          </a:lnRef>
+          <a:fillRef idx="0">
+            <a:schemeClr val="accent1"/>
+          </a:fillRef>
+          <a:effectRef idx="0">
+            <a:schemeClr val="accent1"/>
+          </a:effectRef>
+          <a:fontRef idx="minor">
+            <a:schemeClr val="tx1"/>
+          </a:fontRef>
+        </p:style>
+      </p:cxnSp>
+      <p:cxnSp>
+        <p:nvCxnSpPr>
+          <p:cNvPr id="30" name="Straight Arrow Connector 29">
+            <a:extLst>
+              <a:ext uri="{FF2B5EF4-FFF2-40B4-BE49-F238E27FC236}">
+                <a16:creationId xmlns:a16="http://schemas.microsoft.com/office/drawing/2014/main" id="{10125C8B-FF61-46CF-9F42-ED2AFCC414EB}"/>
+              </a:ext>
+            </a:extLst>
+          </p:cNvPr>
+          <p:cNvCxnSpPr/>
+          <p:nvPr/>
+        </p:nvCxnSpPr>
+        <p:spPr>
+          <a:xfrm>
+            <a:off x="5550543" y="3307495"/>
+            <a:ext cx="476045" cy="4214"/>
+          </a:xfrm>
+          <a:prstGeom prst="straightConnector1">
+            <a:avLst/>
+          </a:prstGeom>
+          <a:ln>
+            <a:solidFill>
+              <a:schemeClr val="tx1"/>
+            </a:solidFill>
+            <a:tailEnd type="triangle"/>
+          </a:ln>
+        </p:spPr>
+        <p:style>
+          <a:lnRef idx="1">
+            <a:schemeClr val="accent1"/>
+          </a:lnRef>
+          <a:fillRef idx="0">
+            <a:schemeClr val="accent1"/>
+          </a:fillRef>
+          <a:effectRef idx="0">
+            <a:schemeClr val="accent1"/>
+          </a:effectRef>
+          <a:fontRef idx="minor">
+            <a:schemeClr val="tx1"/>
+          </a:fontRef>
+        </p:style>
+      </p:cxnSp>
+      <p:cxnSp>
+        <p:nvCxnSpPr>
+          <p:cNvPr id="31" name="Straight Arrow Connector 30">
+            <a:extLst>
+              <a:ext uri="{FF2B5EF4-FFF2-40B4-BE49-F238E27FC236}">
+                <a16:creationId xmlns:a16="http://schemas.microsoft.com/office/drawing/2014/main" id="{873096B9-0B8A-4A90-98CD-B5804FD2A6A8}"/>
+              </a:ext>
+            </a:extLst>
+          </p:cNvPr>
+          <p:cNvCxnSpPr/>
+          <p:nvPr/>
+        </p:nvCxnSpPr>
+        <p:spPr>
+          <a:xfrm>
+            <a:off x="7745847" y="4595019"/>
+            <a:ext cx="604706" cy="4214"/>
+          </a:xfrm>
+          <a:prstGeom prst="straightConnector1">
+            <a:avLst/>
+          </a:prstGeom>
+          <a:ln>
+            <a:solidFill>
+              <a:schemeClr val="tx1"/>
+            </a:solidFill>
+            <a:tailEnd type="triangle"/>
+          </a:ln>
+        </p:spPr>
+        <p:style>
+          <a:lnRef idx="1">
+            <a:schemeClr val="accent1"/>
+          </a:lnRef>
+          <a:fillRef idx="0">
+            <a:schemeClr val="accent1"/>
+          </a:fillRef>
+          <a:effectRef idx="0">
+            <a:schemeClr val="accent1"/>
+          </a:effectRef>
+          <a:fontRef idx="minor">
+            <a:schemeClr val="tx1"/>
+          </a:fontRef>
+        </p:style>
+      </p:cxnSp>
+      <p:cxnSp>
+        <p:nvCxnSpPr>
+          <p:cNvPr id="32" name="Straight Arrow Connector 31">
+            <a:extLst>
+              <a:ext uri="{FF2B5EF4-FFF2-40B4-BE49-F238E27FC236}">
+                <a16:creationId xmlns:a16="http://schemas.microsoft.com/office/drawing/2014/main" id="{3F63E72D-A38D-44EE-96AF-830EA9661144}"/>
+              </a:ext>
+            </a:extLst>
+          </p:cNvPr>
+          <p:cNvCxnSpPr/>
+          <p:nvPr/>
+        </p:nvCxnSpPr>
+        <p:spPr>
+          <a:xfrm>
+            <a:off x="2887980" y="3063839"/>
+            <a:ext cx="797697" cy="0"/>
+          </a:xfrm>
+          <a:prstGeom prst="straightConnector1">
+            <a:avLst/>
+          </a:prstGeom>
+          <a:ln>
+            <a:solidFill>
+              <a:schemeClr val="tx1"/>
+            </a:solidFill>
+            <a:tailEnd type="triangle"/>
+          </a:ln>
+        </p:spPr>
+        <p:style>
+          <a:lnRef idx="1">
+            <a:schemeClr val="accent1"/>
+          </a:lnRef>
+          <a:fillRef idx="0">
+            <a:schemeClr val="accent1"/>
+          </a:fillRef>
+          <a:effectRef idx="0">
+            <a:schemeClr val="accent1"/>
+          </a:effectRef>
+          <a:fontRef idx="minor">
+            <a:schemeClr val="tx1"/>
+          </a:fontRef>
+        </p:style>
+      </p:cxnSp>
+      <p:cxnSp>
+        <p:nvCxnSpPr>
+          <p:cNvPr id="33" name="Straight Arrow Connector 32">
+            <a:extLst>
+              <a:ext uri="{FF2B5EF4-FFF2-40B4-BE49-F238E27FC236}">
+                <a16:creationId xmlns:a16="http://schemas.microsoft.com/office/drawing/2014/main" id="{9178670C-8BC0-48DC-B364-DB4AB08118C6}"/>
+              </a:ext>
+            </a:extLst>
+          </p:cNvPr>
+          <p:cNvCxnSpPr/>
+          <p:nvPr/>
+        </p:nvCxnSpPr>
+        <p:spPr>
+          <a:xfrm>
+            <a:off x="2887980" y="3972267"/>
+            <a:ext cx="797697" cy="0"/>
+          </a:xfrm>
+          <a:prstGeom prst="straightConnector1">
+            <a:avLst/>
+          </a:prstGeom>
+          <a:ln>
+            <a:solidFill>
+              <a:schemeClr val="tx1"/>
+            </a:solidFill>
+            <a:tailEnd type="triangle"/>
+          </a:ln>
+        </p:spPr>
+        <p:style>
+          <a:lnRef idx="1">
+            <a:schemeClr val="dk1"/>
+          </a:lnRef>
+          <a:fillRef idx="0">
+            <a:schemeClr val="dk1"/>
+          </a:fillRef>
+          <a:effectRef idx="0">
+            <a:schemeClr val="dk1"/>
+          </a:effectRef>
+          <a:fontRef idx="minor">
+            <a:schemeClr val="tx1"/>
+          </a:fontRef>
+        </p:style>
+      </p:cxnSp>
+      <p:cxnSp>
+        <p:nvCxnSpPr>
+          <p:cNvPr id="34" name="Straight Arrow Connector 33">
+            <a:extLst>
+              <a:ext uri="{FF2B5EF4-FFF2-40B4-BE49-F238E27FC236}">
+                <a16:creationId xmlns:a16="http://schemas.microsoft.com/office/drawing/2014/main" id="{E6555762-4BCF-47A4-9779-90C473306055}"/>
+              </a:ext>
+            </a:extLst>
+          </p:cNvPr>
+          <p:cNvCxnSpPr/>
+          <p:nvPr/>
+        </p:nvCxnSpPr>
+        <p:spPr>
+          <a:xfrm>
+            <a:off x="2887980" y="4922340"/>
+            <a:ext cx="797697" cy="0"/>
+          </a:xfrm>
+          <a:prstGeom prst="straightConnector1">
+            <a:avLst/>
+          </a:prstGeom>
+          <a:ln>
+            <a:solidFill>
+              <a:schemeClr val="tx1"/>
+            </a:solidFill>
+            <a:tailEnd type="triangle"/>
+          </a:ln>
+        </p:spPr>
+        <p:style>
+          <a:lnRef idx="1">
+            <a:schemeClr val="accent1"/>
+          </a:lnRef>
+          <a:fillRef idx="0">
+            <a:schemeClr val="accent1"/>
+          </a:fillRef>
+          <a:effectRef idx="0">
+            <a:schemeClr val="accent1"/>
+          </a:effectRef>
+          <a:fontRef idx="minor">
+            <a:schemeClr val="tx1"/>
+          </a:fontRef>
+        </p:style>
+      </p:cxnSp>
+      <p:sp>
+        <p:nvSpPr>
+          <p:cNvPr id="35" name="Rectangle 40">
+            <a:extLst>
+              <a:ext uri="{FF2B5EF4-FFF2-40B4-BE49-F238E27FC236}">
+                <a16:creationId xmlns:a16="http://schemas.microsoft.com/office/drawing/2014/main" id="{19E49184-0347-4700-B3C7-B776B38E63FE}"/>
+              </a:ext>
+            </a:extLst>
+          </p:cNvPr>
+          <p:cNvSpPr>
+            <a:spLocks noChangeArrowheads="1"/>
+          </p:cNvSpPr>
+          <p:nvPr/>
+        </p:nvSpPr>
+        <p:spPr bwMode="auto">
+          <a:xfrm>
+            <a:off x="-1927274" y="1954043"/>
+            <a:ext cx="16468579" cy="646331"/>
+          </a:xfrm>
+          <a:prstGeom prst="rect">
+            <a:avLst/>
+          </a:prstGeom>
+          <a:noFill/>
+          <a:ln>
+            <a:noFill/>
+          </a:ln>
+          <a:effectLst/>
+          <a:extLst>
+            <a:ext uri="{909E8E84-426E-40DD-AFC4-6F175D3DCCD1}">
+              <a14:hiddenFill xmlns:a14="http://schemas.microsoft.com/office/drawing/2010/main">
+                <a:solidFill>
+                  <a:schemeClr val="accent1"/>
+                </a:solidFill>
+              </a14:hiddenFill>
+            </a:ext>
+            <a:ext uri="{91240B29-F687-4F45-9708-019B960494DF}">
+              <a14:hiddenLine xmlns:a14="http://schemas.microsoft.com/office/drawing/2010/main" w="9525">
+                <a:solidFill>
+                  <a:schemeClr val="tx1"/>
+                </a:solidFill>
+                <a:miter lim="800000"/>
+                <a:headEnd/>
+                <a:tailEnd/>
+              </a14:hiddenLine>
+            </a:ext>
+            <a:ext uri="{AF507438-7753-43E0-B8FC-AC1667EBCBE1}">
+              <a14:hiddenEffects xmlns:a14="http://schemas.microsoft.com/office/drawing/2010/main">
+                <a:effectLst>
+                  <a:outerShdw dist="35921" dir="2700000" algn="ctr" rotWithShape="0">
+                    <a:schemeClr val="bg2"/>
+                  </a:outerShdw>
+                </a:effectLst>
+              </a14:hiddenEffects>
+            </a:ext>
+          </a:extLst>
+        </p:spPr>
+        <p:txBody>
+          <a:bodyPr vert="horz" wrap="square" lIns="91440" tIns="45720" rIns="91440" bIns="45720" numCol="1" anchor="ctr" anchorCtr="0" compatLnSpc="1">
+            <a:prstTxWarp prst="textNoShape">
+              <a:avLst/>
+            </a:prstTxWarp>
+            <a:spAutoFit/>
           </a:bodyPr>
           <a:lstStyle/>
           <a:p>
-            <a:r>
-              <a:rPr lang="en-US" sz="2000" dirty="0">
-                <a:latin typeface="Times New Roman" panose="02020603050405020304" pitchFamily="18" charset="0"/>
-                <a:cs typeface="Times New Roman" panose="02020603050405020304" pitchFamily="18" charset="0"/>
-              </a:rPr>
-              <a:t>The most effective way in which the temperature of wet fish is kept down at the required level is by mixing it with ice. Therefore, the design and material of the container used for transporting fish should have insulating properties to reduce, as much as possible, the rate of melting of ice. In addition, the other requirements of a suitable fresh fish package are to:</a:t>
-            </a:r>
-          </a:p>
-          <a:p>
-            <a:pPr marL="0" indent="0">
-              <a:buNone/>
-            </a:pPr>
-            <a:r>
-              <a:rPr lang="en-US" sz="2000" dirty="0">
-                <a:latin typeface="Times New Roman" panose="02020603050405020304" pitchFamily="18" charset="0"/>
-                <a:cs typeface="Times New Roman" panose="02020603050405020304" pitchFamily="18" charset="0"/>
-              </a:rPr>
-              <a:t> • Reduce dehydration</a:t>
-            </a:r>
-          </a:p>
-          <a:p>
-            <a:pPr marL="0" indent="0">
-              <a:buNone/>
-            </a:pPr>
-            <a:r>
-              <a:rPr lang="en-US" sz="2000" dirty="0">
-                <a:latin typeface="Times New Roman" panose="02020603050405020304" pitchFamily="18" charset="0"/>
-                <a:cs typeface="Times New Roman" panose="02020603050405020304" pitchFamily="18" charset="0"/>
-              </a:rPr>
-              <a:t> • Reduce fat oxidation </a:t>
-            </a:r>
-          </a:p>
-          <a:p>
-            <a:pPr marL="0" indent="0">
-              <a:buNone/>
-            </a:pPr>
-            <a:r>
-              <a:rPr lang="en-US" sz="2000" dirty="0">
-                <a:latin typeface="Times New Roman" panose="02020603050405020304" pitchFamily="18" charset="0"/>
-                <a:cs typeface="Times New Roman" panose="02020603050405020304" pitchFamily="18" charset="0"/>
-              </a:rPr>
-              <a:t> • Provide for less bacterial and chemical spoilage and be capable of being washed reasonably free of bacteria </a:t>
-            </a:r>
-          </a:p>
-          <a:p>
-            <a:pPr marL="0" indent="0">
-              <a:buNone/>
-            </a:pPr>
-            <a:r>
-              <a:rPr lang="en-US" sz="2000" dirty="0">
-                <a:latin typeface="Times New Roman" panose="02020603050405020304" pitchFamily="18" charset="0"/>
-                <a:cs typeface="Times New Roman" panose="02020603050405020304" pitchFamily="18" charset="0"/>
-              </a:rPr>
-              <a:t> • Eliminate drip</a:t>
-            </a:r>
-          </a:p>
-          <a:p>
-            <a:pPr marL="0" indent="0">
-              <a:buNone/>
-            </a:pPr>
-            <a:r>
-              <a:rPr lang="en-US" sz="2000" dirty="0">
-                <a:latin typeface="Times New Roman" panose="02020603050405020304" pitchFamily="18" charset="0"/>
-                <a:cs typeface="Times New Roman" panose="02020603050405020304" pitchFamily="18" charset="0"/>
-              </a:rPr>
-              <a:t> • Prevent </a:t>
-            </a:r>
-            <a:r>
-              <a:rPr lang="en-US" sz="2000" dirty="0" err="1">
-                <a:latin typeface="Times New Roman" panose="02020603050405020304" pitchFamily="18" charset="0"/>
-                <a:cs typeface="Times New Roman" panose="02020603050405020304" pitchFamily="18" charset="0"/>
-              </a:rPr>
-              <a:t>odour</a:t>
-            </a:r>
-            <a:r>
-              <a:rPr lang="en-US" sz="2000" dirty="0">
-                <a:latin typeface="Times New Roman" panose="02020603050405020304" pitchFamily="18" charset="0"/>
-                <a:cs typeface="Times New Roman" panose="02020603050405020304" pitchFamily="18" charset="0"/>
-              </a:rPr>
-              <a:t> permeation </a:t>
-            </a:r>
-          </a:p>
-          <a:p>
-            <a:pPr marL="0" indent="0">
-              <a:buNone/>
-            </a:pPr>
-            <a:r>
-              <a:rPr lang="en-US" sz="2000" dirty="0">
-                <a:latin typeface="Times New Roman" panose="02020603050405020304" pitchFamily="18" charset="0"/>
-                <a:cs typeface="Times New Roman" panose="02020603050405020304" pitchFamily="18" charset="0"/>
-              </a:rPr>
-              <a:t> • Provide adequate mechanical strength to reduce handling damages</a:t>
-            </a:r>
-          </a:p>
-          <a:p>
-            <a:pPr marL="0" indent="0">
-              <a:buNone/>
-            </a:pPr>
-            <a:r>
-              <a:rPr lang="en-US" sz="2000" dirty="0">
-                <a:latin typeface="Times New Roman" panose="02020603050405020304" pitchFamily="18" charset="0"/>
-                <a:cs typeface="Times New Roman" panose="02020603050405020304" pitchFamily="18" charset="0"/>
-              </a:rPr>
-              <a:t> • Preferably should be light in weight</a:t>
-            </a:r>
-          </a:p>
-          <a:p>
-            <a:endParaRPr lang="en-US" sz="2000" dirty="0"/>
-          </a:p>
-        </p:txBody>
-      </p:sp>
+            <a:endParaRPr lang="en-US" sz="3600">
+              <a:latin typeface="Times New Roman" panose="02020603050405020304" pitchFamily="18" charset="0"/>
+              <a:cs typeface="Times New Roman" panose="02020603050405020304" pitchFamily="18" charset="0"/>
+            </a:endParaRPr>
+          </a:p>
+        </p:txBody>
+      </p:sp>
+      <p:cxnSp>
+        <p:nvCxnSpPr>
+          <p:cNvPr id="59" name="Straight Arrow Connector 58">
+            <a:extLst>
+              <a:ext uri="{FF2B5EF4-FFF2-40B4-BE49-F238E27FC236}">
+                <a16:creationId xmlns:a16="http://schemas.microsoft.com/office/drawing/2014/main" id="{FD7B0AEA-CD8C-4884-BE91-5C57FB945A82}"/>
+              </a:ext>
+            </a:extLst>
+          </p:cNvPr>
+          <p:cNvCxnSpPr>
+            <a:stCxn id="20" idx="2"/>
+            <a:endCxn id="21" idx="0"/>
+          </p:cNvCxnSpPr>
+          <p:nvPr/>
+        </p:nvCxnSpPr>
+        <p:spPr>
+          <a:xfrm>
+            <a:off x="9177987" y="4800356"/>
+            <a:ext cx="0" cy="501785"/>
+          </a:xfrm>
+          <a:prstGeom prst="straightConnector1">
+            <a:avLst/>
+          </a:prstGeom>
+          <a:ln>
+            <a:solidFill>
+              <a:schemeClr val="tx1"/>
+            </a:solidFill>
+            <a:tailEnd type="triangle"/>
+          </a:ln>
+        </p:spPr>
+        <p:style>
+          <a:lnRef idx="1">
+            <a:schemeClr val="accent1"/>
+          </a:lnRef>
+          <a:fillRef idx="0">
+            <a:schemeClr val="accent1"/>
+          </a:fillRef>
+          <a:effectRef idx="0">
+            <a:schemeClr val="accent1"/>
+          </a:effectRef>
+          <a:fontRef idx="minor">
+            <a:schemeClr val="tx1"/>
+          </a:fontRef>
+        </p:style>
+      </p:cxnSp>
     </p:spTree>
     <p:extLst>
       <p:ext uri="{BB962C8B-B14F-4D97-AF65-F5344CB8AC3E}">
-        <p14:creationId xmlns:p14="http://schemas.microsoft.com/office/powerpoint/2010/main" val="1517015733"/>
+        <p14:creationId xmlns:p14="http://schemas.microsoft.com/office/powerpoint/2010/main" val="3957487004"/>
       </p:ext>
     </p:extLst>
   </p:cSld>
@@ -6655,7 +7751,7 @@
           <p:cNvPr id="2" name="Title 1">
             <a:extLst>
               <a:ext uri="{FF2B5EF4-FFF2-40B4-BE49-F238E27FC236}">
-                <a16:creationId xmlns:a16="http://schemas.microsoft.com/office/drawing/2014/main" id="{16114584-668D-44A2-BC37-9F18DC08D7FE}"/>
+                <a16:creationId xmlns:a16="http://schemas.microsoft.com/office/drawing/2014/main" id="{A9B1C286-5CF7-4E7A-BF74-FCB9FEFEE213}"/>
               </a:ext>
             </a:extLst>
           </p:cNvPr>
@@ -6669,7 +7765,42 @@
         <p:spPr>
           <a:xfrm>
             <a:off x="838200" y="365126"/>
-            <a:ext cx="10515600" cy="971306"/>
+            <a:ext cx="10515600" cy="675884"/>
+          </a:xfrm>
+        </p:spPr>
+        <p:txBody>
+          <a:bodyPr>
+            <a:normAutofit fontScale="90000"/>
+          </a:bodyPr>
+          <a:lstStyle/>
+          <a:p>
+            <a:r>
+              <a:rPr lang="en-US" dirty="0"/>
+              <a:t>APPLICATION</a:t>
+            </a:r>
+          </a:p>
+        </p:txBody>
+      </p:sp>
+      <p:sp>
+        <p:nvSpPr>
+          <p:cNvPr id="3" name="Content Placeholder 2">
+            <a:extLst>
+              <a:ext uri="{FF2B5EF4-FFF2-40B4-BE49-F238E27FC236}">
+                <a16:creationId xmlns:a16="http://schemas.microsoft.com/office/drawing/2014/main" id="{03FFC363-6B37-4E04-8E37-8329241064E1}"/>
+              </a:ext>
+            </a:extLst>
+          </p:cNvPr>
+          <p:cNvSpPr>
+            <a:spLocks noGrp="1"/>
+          </p:cNvSpPr>
+          <p:nvPr>
+            <p:ph idx="1"/>
+          </p:nvPr>
+        </p:nvSpPr>
+        <p:spPr>
+          <a:xfrm>
+            <a:off x="838200" y="1041010"/>
+            <a:ext cx="10515600" cy="5451864"/>
           </a:xfrm>
         </p:spPr>
         <p:txBody>
@@ -6679,159 +7810,120 @@
           <a:lstStyle/>
           <a:p>
             <a:r>
-              <a:rPr lang="en-US" sz="2800" dirty="0"/>
-              <a:t>TYPES OF MATERIALS IN  PACKING</a:t>
-            </a:r>
-          </a:p>
-        </p:txBody>
-      </p:sp>
-      <p:sp>
-        <p:nvSpPr>
-          <p:cNvPr id="4" name="Content Placeholder 3">
-            <a:extLst>
-              <a:ext uri="{FF2B5EF4-FFF2-40B4-BE49-F238E27FC236}">
-                <a16:creationId xmlns:a16="http://schemas.microsoft.com/office/drawing/2014/main" id="{D0F17F75-C246-412A-B618-89063CBC5A22}"/>
-              </a:ext>
-            </a:extLst>
-          </p:cNvPr>
-          <p:cNvSpPr>
-            <a:spLocks noGrp="1"/>
-          </p:cNvSpPr>
-          <p:nvPr>
-            <p:ph idx="1"/>
-          </p:nvPr>
-        </p:nvSpPr>
-        <p:spPr>
-          <a:xfrm>
-            <a:off x="1484310" y="1336433"/>
-            <a:ext cx="10018713" cy="4454768"/>
-          </a:xfrm>
-        </p:spPr>
-        <p:txBody>
-          <a:bodyPr>
-            <a:normAutofit fontScale="70000" lnSpcReduction="20000"/>
-          </a:bodyPr>
-          <a:lstStyle/>
-          <a:p>
-            <a:pPr algn="l"/>
-            <a:r>
-              <a:rPr lang="en-US" b="1" i="0" dirty="0">
-                <a:solidFill>
-                  <a:srgbClr val="203569"/>
-                </a:solidFill>
-                <a:effectLst/>
+              <a:rPr lang="en-US" sz="2000" dirty="0">
                 <a:latin typeface="Times New Roman" panose="02020603050405020304" pitchFamily="18" charset="0"/>
                 <a:cs typeface="Times New Roman" panose="02020603050405020304" pitchFamily="18" charset="0"/>
               </a:rPr>
-              <a:t>Trays</a:t>
-            </a:r>
-          </a:p>
-          <a:p>
-            <a:pPr marL="0" indent="0" algn="l">
+              <a:t>The most effective way in which the temperature of wet fish is kept down at the required level is by mixing it with ice. Therefore, the design and material of the container used for transporting fish should have insulating properties to reduce, as much as possible, the rate of melting of ice. In addition, the other requirements of a suitable fresh fish package are to:</a:t>
+            </a:r>
+          </a:p>
+          <a:p>
+            <a:pPr marL="0" indent="0">
               <a:buNone/>
             </a:pPr>
             <a:r>
-              <a:rPr lang="en-US" b="0" i="0" dirty="0">
-                <a:effectLst/>
+              <a:rPr lang="en-US" sz="2000" dirty="0">
                 <a:latin typeface="Times New Roman" panose="02020603050405020304" pitchFamily="18" charset="0"/>
                 <a:cs typeface="Times New Roman" panose="02020603050405020304" pitchFamily="18" charset="0"/>
               </a:rPr>
-              <a:t>This is mostly self-explanatory. Trays are what meats, plant seeds, and drinks can be carried in. They are mostly flat with raised edges to keep the product in place and are made of various materials such as paperboard.</a:t>
-            </a:r>
-          </a:p>
-          <a:p>
-            <a:pPr algn="l"/>
-            <a:r>
-              <a:rPr lang="en-US" b="1" i="0" dirty="0">
-                <a:solidFill>
-                  <a:srgbClr val="203569"/>
-                </a:solidFill>
-                <a:effectLst/>
+              <a:t> • Reduce dehydration</a:t>
+            </a:r>
+          </a:p>
+          <a:p>
+            <a:pPr marL="0" indent="0">
+              <a:buNone/>
+            </a:pPr>
+            <a:r>
+              <a:rPr lang="en-US" sz="2000" dirty="0">
                 <a:latin typeface="Times New Roman" panose="02020603050405020304" pitchFamily="18" charset="0"/>
                 <a:cs typeface="Times New Roman" panose="02020603050405020304" pitchFamily="18" charset="0"/>
               </a:rPr>
-              <a:t>Bags</a:t>
-            </a:r>
-          </a:p>
-          <a:p>
-            <a:pPr marL="0" indent="0" algn="l">
+              <a:t> • Reduce fat oxidation </a:t>
+            </a:r>
+          </a:p>
+          <a:p>
+            <a:pPr marL="0" indent="0">
               <a:buNone/>
             </a:pPr>
             <a:r>
-              <a:rPr lang="en-US" b="0" i="0" dirty="0">
-                <a:effectLst/>
+              <a:rPr lang="en-US" sz="2000" dirty="0">
                 <a:latin typeface="Times New Roman" panose="02020603050405020304" pitchFamily="18" charset="0"/>
                 <a:cs typeface="Times New Roman" panose="02020603050405020304" pitchFamily="18" charset="0"/>
               </a:rPr>
-              <a:t>Like trays, bags are a common form of food packaging. Most known are bagged snacks (chips, pretzels) and fruit (apples, potatoes). “Bagging” separates the food from the environment, namely the air.</a:t>
-            </a:r>
-          </a:p>
-          <a:p>
-            <a:pPr algn="l"/>
-            <a:r>
-              <a:rPr lang="en-US" b="1" i="0" dirty="0">
-                <a:solidFill>
-                  <a:srgbClr val="203569"/>
-                </a:solidFill>
-                <a:effectLst/>
+              <a:t> • Provide for less bacterial and chemical spoilage and be capable of being washed reasonably free of bacteria </a:t>
+            </a:r>
+          </a:p>
+          <a:p>
+            <a:pPr marL="0" indent="0">
+              <a:buNone/>
+            </a:pPr>
+            <a:r>
+              <a:rPr lang="en-US" sz="2000" dirty="0">
                 <a:latin typeface="Times New Roman" panose="02020603050405020304" pitchFamily="18" charset="0"/>
                 <a:cs typeface="Times New Roman" panose="02020603050405020304" pitchFamily="18" charset="0"/>
               </a:rPr>
-              <a:t>Boxes</a:t>
-            </a:r>
-          </a:p>
-          <a:p>
-            <a:pPr marL="0" indent="0" algn="l">
+              <a:t> • Eliminate drip</a:t>
+            </a:r>
+          </a:p>
+          <a:p>
+            <a:pPr marL="0" indent="0">
               <a:buNone/>
             </a:pPr>
             <a:r>
-              <a:rPr lang="en-US" b="0" i="0" dirty="0">
-                <a:effectLst/>
+              <a:rPr lang="en-US" sz="2000" dirty="0">
                 <a:latin typeface="Times New Roman" panose="02020603050405020304" pitchFamily="18" charset="0"/>
                 <a:cs typeface="Times New Roman" panose="02020603050405020304" pitchFamily="18" charset="0"/>
               </a:rPr>
-              <a:t>Boxes are used for the easiest form of transportation of a food product. Most common materials found in boxes are metal, corrugated fiberboard, and wood. Frozen pizzas, cereals, and snack crackers are examples of foods packaged in boxes.</a:t>
-            </a:r>
-          </a:p>
-          <a:p>
-            <a:pPr algn="l"/>
-            <a:r>
-              <a:rPr lang="en-US" b="1" i="0" dirty="0">
-                <a:solidFill>
-                  <a:srgbClr val="203569"/>
-                </a:solidFill>
-                <a:effectLst/>
+              <a:t> • Prevent </a:t>
+            </a:r>
+            <a:r>
+              <a:rPr lang="en-US" sz="2000" dirty="0" err="1">
                 <a:latin typeface="Times New Roman" panose="02020603050405020304" pitchFamily="18" charset="0"/>
                 <a:cs typeface="Times New Roman" panose="02020603050405020304" pitchFamily="18" charset="0"/>
               </a:rPr>
-              <a:t>Cans</a:t>
-            </a:r>
-          </a:p>
-          <a:p>
-            <a:pPr marL="0" indent="0" algn="l">
-              <a:buNone/>
-            </a:pPr>
-            <a:r>
-              <a:rPr lang="en-US" b="0" i="0" dirty="0">
-                <a:effectLst/>
+              <a:t>odour</a:t>
+            </a:r>
+            <a:r>
+              <a:rPr lang="en-US" sz="2000" dirty="0">
                 <a:latin typeface="Times New Roman" panose="02020603050405020304" pitchFamily="18" charset="0"/>
                 <a:cs typeface="Times New Roman" panose="02020603050405020304" pitchFamily="18" charset="0"/>
               </a:rPr>
-              <a:t>Cans are also an excellent way of preserving and transporting foods. Most cans are made of steel or other thin metal when found in stores, as well as glass jars when foods are canned in the home.</a:t>
-            </a:r>
-          </a:p>
-          <a:p>
-            <a:endParaRPr lang="en-US" dirty="0">
-              <a:latin typeface="Times New Roman" panose="02020603050405020304" pitchFamily="18" charset="0"/>
-              <a:cs typeface="Times New Roman" panose="02020603050405020304" pitchFamily="18" charset="0"/>
-            </a:endParaRPr>
+              <a:t> permeation </a:t>
+            </a:r>
+          </a:p>
+          <a:p>
+            <a:pPr marL="0" indent="0">
+              <a:buNone/>
+            </a:pPr>
+            <a:r>
+              <a:rPr lang="en-US" sz="2000" dirty="0">
+                <a:latin typeface="Times New Roman" panose="02020603050405020304" pitchFamily="18" charset="0"/>
+                <a:cs typeface="Times New Roman" panose="02020603050405020304" pitchFamily="18" charset="0"/>
+              </a:rPr>
+              <a:t> • Provide adequate mechanical strength to reduce handling damages</a:t>
+            </a:r>
+          </a:p>
+          <a:p>
+            <a:pPr marL="0" indent="0">
+              <a:buNone/>
+            </a:pPr>
+            <a:r>
+              <a:rPr lang="en-US" sz="2000" dirty="0">
+                <a:latin typeface="Times New Roman" panose="02020603050405020304" pitchFamily="18" charset="0"/>
+                <a:cs typeface="Times New Roman" panose="02020603050405020304" pitchFamily="18" charset="0"/>
+              </a:rPr>
+              <a:t> • Preferably should be light in weight</a:t>
+            </a:r>
+          </a:p>
+          <a:p>
+            <a:endParaRPr lang="en-US" sz="2000" dirty="0"/>
           </a:p>
         </p:txBody>
       </p:sp>
     </p:spTree>
     <p:extLst>
       <p:ext uri="{BB962C8B-B14F-4D97-AF65-F5344CB8AC3E}">
-        <p14:creationId xmlns:p14="http://schemas.microsoft.com/office/powerpoint/2010/main" val="2605250914"/>
+        <p14:creationId xmlns:p14="http://schemas.microsoft.com/office/powerpoint/2010/main" val="1517015733"/>
       </p:ext>
     </p:extLst>
   </p:cSld>
@@ -6860,10 +7952,10 @@
       </p:grpSpPr>
       <p:sp>
         <p:nvSpPr>
-          <p:cNvPr id="3" name="Content Placeholder 2">
+          <p:cNvPr id="2" name="Title 1">
             <a:extLst>
               <a:ext uri="{FF2B5EF4-FFF2-40B4-BE49-F238E27FC236}">
-                <a16:creationId xmlns:a16="http://schemas.microsoft.com/office/drawing/2014/main" id="{B805CBC2-C4AA-4B1C-BE4F-A9FB144BD183}"/>
+                <a16:creationId xmlns:a16="http://schemas.microsoft.com/office/drawing/2014/main" id="{16114584-668D-44A2-BC37-9F18DC08D7FE}"/>
               </a:ext>
             </a:extLst>
           </p:cNvPr>
@@ -6871,24 +7963,59 @@
             <a:spLocks noGrp="1"/>
           </p:cNvSpPr>
           <p:nvPr>
-            <p:ph idx="1"/>
+            <p:ph type="title"/>
           </p:nvPr>
         </p:nvSpPr>
         <p:spPr>
           <a:xfrm>
-            <a:off x="838200" y="492369"/>
-            <a:ext cx="10515600" cy="6133514"/>
+            <a:off x="838200" y="365126"/>
+            <a:ext cx="10515600" cy="971306"/>
           </a:xfrm>
         </p:spPr>
         <p:txBody>
           <a:bodyPr>
-            <a:normAutofit fontScale="92500" lnSpcReduction="10000"/>
+            <a:normAutofit/>
           </a:bodyPr>
           <a:lstStyle/>
           <a:p>
+            <a:r>
+              <a:rPr lang="en-US" sz="2800" dirty="0"/>
+              <a:t>TYPES OF MATERIALS IN  PACKING</a:t>
+            </a:r>
+          </a:p>
+        </p:txBody>
+      </p:sp>
+      <p:sp>
+        <p:nvSpPr>
+          <p:cNvPr id="4" name="Content Placeholder 3">
+            <a:extLst>
+              <a:ext uri="{FF2B5EF4-FFF2-40B4-BE49-F238E27FC236}">
+                <a16:creationId xmlns:a16="http://schemas.microsoft.com/office/drawing/2014/main" id="{D0F17F75-C246-412A-B618-89063CBC5A22}"/>
+              </a:ext>
+            </a:extLst>
+          </p:cNvPr>
+          <p:cNvSpPr>
+            <a:spLocks noGrp="1"/>
+          </p:cNvSpPr>
+          <p:nvPr>
+            <p:ph idx="1"/>
+          </p:nvPr>
+        </p:nvSpPr>
+        <p:spPr>
+          <a:xfrm>
+            <a:off x="1484310" y="1336433"/>
+            <a:ext cx="10018713" cy="4454768"/>
+          </a:xfrm>
+        </p:spPr>
+        <p:txBody>
+          <a:bodyPr>
+            <a:normAutofit fontScale="70000" lnSpcReduction="20000"/>
+          </a:bodyPr>
+          <a:lstStyle/>
+          <a:p>
             <a:pPr algn="l"/>
             <a:r>
-              <a:rPr lang="en-US" sz="2000" b="1" i="0" dirty="0">
+              <a:rPr lang="en-US" b="1" i="0" dirty="0">
                 <a:solidFill>
                   <a:srgbClr val="203569"/>
                 </a:solidFill>
@@ -6896,7 +8023,7 @@
                 <a:latin typeface="Times New Roman" panose="02020603050405020304" pitchFamily="18" charset="0"/>
                 <a:cs typeface="Times New Roman" panose="02020603050405020304" pitchFamily="18" charset="0"/>
               </a:rPr>
-              <a:t>Cartons</a:t>
+              <a:t>Trays</a:t>
             </a:r>
           </a:p>
           <a:p>
@@ -6904,18 +8031,18 @@
               <a:buNone/>
             </a:pPr>
             <a:r>
-              <a:rPr lang="en-US" sz="2000" b="0" i="0" dirty="0">
+              <a:rPr lang="en-US" b="0" i="0" dirty="0">
                 <a:effectLst/>
                 <a:latin typeface="Times New Roman" panose="02020603050405020304" pitchFamily="18" charset="0"/>
                 <a:cs typeface="Times New Roman" panose="02020603050405020304" pitchFamily="18" charset="0"/>
               </a:rPr>
-              <a:t>Boxes and cartons are oftentimes interchangeable. Like boxes, cartons are also made from corrugated fiberboard and are used for transporting food. Within the food packaging type of cartons, there are four sub-categories. The most well-known is the egg carton which is molded to the shape of the egg to add protection while the food product is mobile. Aseptic cartons also lie in this category. Examples of this are milk, juice, and soup cartons. Another sub-category of cartons are the folding cartons, which begin as flat pieces of corrugated fiberboard and then assembled by the food manufacturer. Lastly, there are gable tops. These cartons usually hold milk or juice and require the gables at the top to be pinched then pulled in order to be opened.</a:t>
+              <a:t>This is mostly self-explanatory. Trays are what meats, plant seeds, and drinks can be carried in. They are mostly flat with raised edges to keep the product in place and are made of various materials such as paperboard.</a:t>
             </a:r>
           </a:p>
           <a:p>
             <a:pPr algn="l"/>
             <a:r>
-              <a:rPr lang="en-US" sz="2000" b="1" i="0" dirty="0">
+              <a:rPr lang="en-US" b="1" i="0" dirty="0">
                 <a:solidFill>
                   <a:srgbClr val="203569"/>
                 </a:solidFill>
@@ -6923,7 +8050,7 @@
                 <a:latin typeface="Times New Roman" panose="02020603050405020304" pitchFamily="18" charset="0"/>
                 <a:cs typeface="Times New Roman" panose="02020603050405020304" pitchFamily="18" charset="0"/>
               </a:rPr>
-              <a:t>Flexible Packaging</a:t>
+              <a:t>Bags</a:t>
             </a:r>
           </a:p>
           <a:p>
@@ -6931,34 +8058,45 @@
               <a:buNone/>
             </a:pPr>
             <a:r>
-              <a:rPr lang="en-US" sz="2000" b="0" i="0" dirty="0">
+              <a:rPr lang="en-US" b="0" i="0" dirty="0">
                 <a:effectLst/>
                 <a:latin typeface="Times New Roman" panose="02020603050405020304" pitchFamily="18" charset="0"/>
                 <a:cs typeface="Times New Roman" panose="02020603050405020304" pitchFamily="18" charset="0"/>
               </a:rPr>
-              <a:t>Like bags, </a:t>
-            </a:r>
-            <a:r>
-              <a:rPr lang="en-US" sz="2000" b="0" i="0" u="none" strike="noStrike" dirty="0">
+              <a:t>Like trays, bags are a common form of food packaging. Most known are bagged snacks (chips, pretzels) and fruit (apples, potatoes). “Bagging” separates the food from the environment, namely the air.</a:t>
+            </a:r>
+          </a:p>
+          <a:p>
+            <a:pPr algn="l"/>
+            <a:r>
+              <a:rPr lang="en-US" b="1" i="0" dirty="0">
+                <a:solidFill>
+                  <a:srgbClr val="203569"/>
+                </a:solidFill>
                 <a:effectLst/>
                 <a:latin typeface="Times New Roman" panose="02020603050405020304" pitchFamily="18" charset="0"/>
                 <a:cs typeface="Times New Roman" panose="02020603050405020304" pitchFamily="18" charset="0"/>
               </a:rPr>
-              <a:t>flexible packaging</a:t>
-            </a:r>
-            <a:r>
-              <a:rPr lang="en-US" sz="2000" b="0" i="0" dirty="0">
+              <a:t>Boxes</a:t>
+            </a:r>
+          </a:p>
+          <a:p>
+            <a:pPr marL="0" indent="0" algn="l">
+              <a:buNone/>
+            </a:pPr>
+            <a:r>
+              <a:rPr lang="en-US" b="0" i="0" dirty="0">
                 <a:effectLst/>
                 <a:latin typeface="Times New Roman" panose="02020603050405020304" pitchFamily="18" charset="0"/>
                 <a:cs typeface="Times New Roman" panose="02020603050405020304" pitchFamily="18" charset="0"/>
               </a:rPr>
-              <a:t> protects the food protect from the environment and create an adequate means of transporting foods. Bagged salad is a common food found in flexible packaging.</a:t>
+              <a:t>Boxes are used for the easiest form of transportation of a food product. Most common materials found in boxes are metal, corrugated fiberboard, and wood. Frozen pizzas, cereals, and snack crackers are examples of foods packaged in boxes.</a:t>
             </a:r>
           </a:p>
           <a:p>
             <a:pPr algn="l"/>
             <a:r>
-              <a:rPr lang="en-US" sz="2000" b="1" i="0" dirty="0">
+              <a:rPr lang="en-US" b="1" i="0" dirty="0">
                 <a:solidFill>
                   <a:srgbClr val="203569"/>
                 </a:solidFill>
@@ -6966,7 +8104,7 @@
                 <a:latin typeface="Times New Roman" panose="02020603050405020304" pitchFamily="18" charset="0"/>
                 <a:cs typeface="Times New Roman" panose="02020603050405020304" pitchFamily="18" charset="0"/>
               </a:rPr>
-              <a:t>Pallets</a:t>
+              <a:t>Cans</a:t>
             </a:r>
           </a:p>
           <a:p>
@@ -6974,47 +8112,26 @@
               <a:buNone/>
             </a:pPr>
             <a:r>
-              <a:rPr lang="en-US" sz="2000" b="0" i="0" dirty="0">
+              <a:rPr lang="en-US" b="0" i="0" dirty="0">
                 <a:effectLst/>
                 <a:latin typeface="Times New Roman" panose="02020603050405020304" pitchFamily="18" charset="0"/>
                 <a:cs typeface="Times New Roman" panose="02020603050405020304" pitchFamily="18" charset="0"/>
               </a:rPr>
-              <a:t>Pallets are used for mass transportation of a product. Boxes of the product are placed and stacked on the pallet, then wrapped to secure and decrease food movement.</a:t>
-            </a:r>
-          </a:p>
-          <a:p>
-            <a:pPr algn="l"/>
-            <a:r>
-              <a:rPr lang="en-US" sz="2000" b="1" i="0" dirty="0">
-                <a:solidFill>
-                  <a:srgbClr val="203569"/>
-                </a:solidFill>
-                <a:effectLst/>
-                <a:latin typeface="Times New Roman" panose="02020603050405020304" pitchFamily="18" charset="0"/>
-                <a:cs typeface="Times New Roman" panose="02020603050405020304" pitchFamily="18" charset="0"/>
-              </a:rPr>
-              <a:t>Wrappers</a:t>
-            </a:r>
-          </a:p>
-          <a:p>
-            <a:pPr marL="0" indent="0" algn="l">
-              <a:buNone/>
-            </a:pPr>
-            <a:r>
-              <a:rPr lang="en-US" sz="2000" b="0" i="0" dirty="0">
-                <a:effectLst/>
-                <a:latin typeface="Times New Roman" panose="02020603050405020304" pitchFamily="18" charset="0"/>
-                <a:cs typeface="Times New Roman" panose="02020603050405020304" pitchFamily="18" charset="0"/>
-              </a:rPr>
-              <a:t>Used for individual items, wrappers provide protection between the food and the environment or the food and a person’s hands. Candy bars are most commonly thought of.</a:t>
-            </a:r>
+              <a:t>Cans are also an excellent way of preserving and transporting foods. Most cans are made of steel or other thin metal when found in stores, as well as glass jars when foods are canned in the home.</a:t>
+            </a:r>
+          </a:p>
+          <a:p>
+            <a:endParaRPr lang="en-US" dirty="0">
+              <a:latin typeface="Times New Roman" panose="02020603050405020304" pitchFamily="18" charset="0"/>
+              <a:cs typeface="Times New Roman" panose="02020603050405020304" pitchFamily="18" charset="0"/>
+            </a:endParaRPr>
           </a:p>
         </p:txBody>
       </p:sp>
     </p:spTree>
     <p:extLst>
       <p:ext uri="{BB962C8B-B14F-4D97-AF65-F5344CB8AC3E}">
-        <p14:creationId xmlns:p14="http://schemas.microsoft.com/office/powerpoint/2010/main" val="3021765464"/>
+        <p14:creationId xmlns:p14="http://schemas.microsoft.com/office/powerpoint/2010/main" val="2605250914"/>
       </p:ext>
     </p:extLst>
   </p:cSld>
@@ -7046,7 +8163,7 @@
           <p:cNvPr id="3" name="Content Placeholder 2">
             <a:extLst>
               <a:ext uri="{FF2B5EF4-FFF2-40B4-BE49-F238E27FC236}">
-                <a16:creationId xmlns:a16="http://schemas.microsoft.com/office/drawing/2014/main" id="{822D6D10-7CF8-4BDA-BF7E-FBB01D5A9639}"/>
+                <a16:creationId xmlns:a16="http://schemas.microsoft.com/office/drawing/2014/main" id="{B805CBC2-C4AA-4B1C-BE4F-A9FB144BD183}"/>
               </a:ext>
             </a:extLst>
           </p:cNvPr>
@@ -7059,52 +8176,145 @@
         </p:nvSpPr>
         <p:spPr>
           <a:xfrm>
-            <a:off x="1484310" y="1111349"/>
-            <a:ext cx="10018713" cy="4679852"/>
+            <a:off x="1364566" y="492369"/>
+            <a:ext cx="9989234" cy="6133514"/>
           </a:xfrm>
         </p:spPr>
         <p:txBody>
           <a:bodyPr>
-            <a:normAutofit/>
+            <a:normAutofit fontScale="92500" lnSpcReduction="10000"/>
           </a:bodyPr>
           <a:lstStyle/>
           <a:p>
-            <a:r>
-              <a:rPr lang="en-US" sz="2000" dirty="0"/>
-              <a:t> The other types of packages used for fresh fish transportation is the </a:t>
-            </a:r>
-            <a:r>
-              <a:rPr lang="en-US" sz="2000" dirty="0" err="1"/>
-              <a:t>moulded</a:t>
-            </a:r>
-            <a:r>
-              <a:rPr lang="en-US" sz="2000" dirty="0"/>
-              <a:t> container made from expanded polystyrene. This is an excellent choice as such boxes are very light in weight, provide very good insulating properties and can be cleaned easily by washing.</a:t>
-            </a:r>
-          </a:p>
-          <a:p>
-            <a:r>
-              <a:rPr lang="en-US" sz="2000" dirty="0"/>
-              <a:t>The retail packaging of fresh fish in India is not at all common. In the overseas markets, the most popular form of package for fresh fish is a shallow tray of </a:t>
-            </a:r>
-            <a:r>
-              <a:rPr lang="en-US" sz="2000" dirty="0" err="1"/>
-              <a:t>moulded</a:t>
-            </a:r>
-            <a:r>
-              <a:rPr lang="en-US" sz="2000" dirty="0"/>
-              <a:t> pulp, foam polystyrene or clear polystyrene, which is over-wrapped with a plastic film which may be printed or over which a pressure sensitive label is applied. Generally, food - grade PVC films are used as overwraps.</a:t>
-            </a:r>
-          </a:p>
-          <a:p>
-            <a:endParaRPr lang="en-US" sz="2000" dirty="0"/>
+            <a:pPr algn="l"/>
+            <a:r>
+              <a:rPr lang="en-US" sz="2000" b="1" i="0" dirty="0">
+                <a:solidFill>
+                  <a:srgbClr val="203569"/>
+                </a:solidFill>
+                <a:effectLst/>
+                <a:latin typeface="Times New Roman" panose="02020603050405020304" pitchFamily="18" charset="0"/>
+                <a:cs typeface="Times New Roman" panose="02020603050405020304" pitchFamily="18" charset="0"/>
+              </a:rPr>
+              <a:t>Cartons</a:t>
+            </a:r>
+          </a:p>
+          <a:p>
+            <a:pPr marL="0" indent="0" algn="l">
+              <a:buNone/>
+            </a:pPr>
+            <a:r>
+              <a:rPr lang="en-US" sz="2000" b="0" i="0" dirty="0">
+                <a:effectLst/>
+                <a:latin typeface="Times New Roman" panose="02020603050405020304" pitchFamily="18" charset="0"/>
+                <a:cs typeface="Times New Roman" panose="02020603050405020304" pitchFamily="18" charset="0"/>
+              </a:rPr>
+              <a:t>Boxes and cartons are oftentimes interchangeable. Like boxes, cartons are also made from corrugated fiberboard and are used for transporting food. Within the food packaging type of cartons, there are four sub-categories. The most well-known is the egg carton which is molded to the shape of the egg to add protection while the food product is mobile. Aseptic cartons also lie in this category. Examples of this are milk, juice, and soup cartons. Another sub-category of cartons are the folding cartons, which begin as flat pieces of corrugated fiberboard and then assembled by the food manufacturer. Lastly, there are gable tops. These cartons usually hold milk or juice and require the gables at the top to be pinched then pulled in order to be opened.</a:t>
+            </a:r>
+          </a:p>
+          <a:p>
+            <a:pPr algn="l"/>
+            <a:r>
+              <a:rPr lang="en-US" sz="2000" b="1" i="0" dirty="0">
+                <a:solidFill>
+                  <a:srgbClr val="203569"/>
+                </a:solidFill>
+                <a:effectLst/>
+                <a:latin typeface="Times New Roman" panose="02020603050405020304" pitchFamily="18" charset="0"/>
+                <a:cs typeface="Times New Roman" panose="02020603050405020304" pitchFamily="18" charset="0"/>
+              </a:rPr>
+              <a:t>Flexible Packaging</a:t>
+            </a:r>
+          </a:p>
+          <a:p>
+            <a:pPr marL="0" indent="0" algn="l">
+              <a:buNone/>
+            </a:pPr>
+            <a:r>
+              <a:rPr lang="en-US" sz="2000" b="0" i="0" dirty="0">
+                <a:effectLst/>
+                <a:latin typeface="Times New Roman" panose="02020603050405020304" pitchFamily="18" charset="0"/>
+                <a:cs typeface="Times New Roman" panose="02020603050405020304" pitchFamily="18" charset="0"/>
+              </a:rPr>
+              <a:t>Like bags, </a:t>
+            </a:r>
+            <a:r>
+              <a:rPr lang="en-US" sz="2000" b="0" i="0" u="none" strike="noStrike" dirty="0">
+                <a:effectLst/>
+                <a:latin typeface="Times New Roman" panose="02020603050405020304" pitchFamily="18" charset="0"/>
+                <a:cs typeface="Times New Roman" panose="02020603050405020304" pitchFamily="18" charset="0"/>
+              </a:rPr>
+              <a:t>flexible packaging</a:t>
+            </a:r>
+            <a:r>
+              <a:rPr lang="en-US" sz="2000" b="0" i="0" dirty="0">
+                <a:effectLst/>
+                <a:latin typeface="Times New Roman" panose="02020603050405020304" pitchFamily="18" charset="0"/>
+                <a:cs typeface="Times New Roman" panose="02020603050405020304" pitchFamily="18" charset="0"/>
+              </a:rPr>
+              <a:t> protects the food protect from the environment and create an adequate means of transporting foods. Bagged salad is a common food found in flexible packaging.</a:t>
+            </a:r>
+          </a:p>
+          <a:p>
+            <a:pPr algn="l"/>
+            <a:r>
+              <a:rPr lang="en-US" sz="2000" b="1" i="0" dirty="0">
+                <a:solidFill>
+                  <a:srgbClr val="203569"/>
+                </a:solidFill>
+                <a:effectLst/>
+                <a:latin typeface="Times New Roman" panose="02020603050405020304" pitchFamily="18" charset="0"/>
+                <a:cs typeface="Times New Roman" panose="02020603050405020304" pitchFamily="18" charset="0"/>
+              </a:rPr>
+              <a:t>Pallets</a:t>
+            </a:r>
+          </a:p>
+          <a:p>
+            <a:pPr marL="0" indent="0" algn="l">
+              <a:buNone/>
+            </a:pPr>
+            <a:r>
+              <a:rPr lang="en-US" sz="2000" b="0" i="0" dirty="0">
+                <a:effectLst/>
+                <a:latin typeface="Times New Roman" panose="02020603050405020304" pitchFamily="18" charset="0"/>
+                <a:cs typeface="Times New Roman" panose="02020603050405020304" pitchFamily="18" charset="0"/>
+              </a:rPr>
+              <a:t>Pallets are used for mass transportation of a product. Boxes of the product are placed and stacked on the pallet, then wrapped to secure and decrease food movement.</a:t>
+            </a:r>
+          </a:p>
+          <a:p>
+            <a:pPr algn="l"/>
+            <a:r>
+              <a:rPr lang="en-US" sz="2000" b="1" i="0" dirty="0">
+                <a:solidFill>
+                  <a:srgbClr val="203569"/>
+                </a:solidFill>
+                <a:effectLst/>
+                <a:latin typeface="Times New Roman" panose="02020603050405020304" pitchFamily="18" charset="0"/>
+                <a:cs typeface="Times New Roman" panose="02020603050405020304" pitchFamily="18" charset="0"/>
+              </a:rPr>
+              <a:t>Wrappers</a:t>
+            </a:r>
+          </a:p>
+          <a:p>
+            <a:pPr marL="0" indent="0" algn="l">
+              <a:buNone/>
+            </a:pPr>
+            <a:r>
+              <a:rPr lang="en-US" sz="2000" b="0" i="0" dirty="0">
+                <a:effectLst/>
+                <a:latin typeface="Times New Roman" panose="02020603050405020304" pitchFamily="18" charset="0"/>
+                <a:cs typeface="Times New Roman" panose="02020603050405020304" pitchFamily="18" charset="0"/>
+              </a:rPr>
+              <a:t>Used for individual items, wrappers provide protection between the food and the environment or the food and a person’s hands. Candy bars are most commonly thought of.</a:t>
+            </a:r>
           </a:p>
         </p:txBody>
       </p:sp>
     </p:spTree>
     <p:extLst>
       <p:ext uri="{BB962C8B-B14F-4D97-AF65-F5344CB8AC3E}">
-        <p14:creationId xmlns:p14="http://schemas.microsoft.com/office/powerpoint/2010/main" val="2861833292"/>
+        <p14:creationId xmlns:p14="http://schemas.microsoft.com/office/powerpoint/2010/main" val="3021765464"/>
       </p:ext>
     </p:extLst>
   </p:cSld>
@@ -7133,6 +8343,96 @@
       </p:grpSpPr>
       <p:sp>
         <p:nvSpPr>
+          <p:cNvPr id="3" name="Content Placeholder 2">
+            <a:extLst>
+              <a:ext uri="{FF2B5EF4-FFF2-40B4-BE49-F238E27FC236}">
+                <a16:creationId xmlns:a16="http://schemas.microsoft.com/office/drawing/2014/main" id="{822D6D10-7CF8-4BDA-BF7E-FBB01D5A9639}"/>
+              </a:ext>
+            </a:extLst>
+          </p:cNvPr>
+          <p:cNvSpPr>
+            <a:spLocks noGrp="1"/>
+          </p:cNvSpPr>
+          <p:nvPr>
+            <p:ph idx="1"/>
+          </p:nvPr>
+        </p:nvSpPr>
+        <p:spPr>
+          <a:xfrm>
+            <a:off x="1484310" y="1111349"/>
+            <a:ext cx="10018713" cy="4679852"/>
+          </a:xfrm>
+        </p:spPr>
+        <p:txBody>
+          <a:bodyPr>
+            <a:normAutofit/>
+          </a:bodyPr>
+          <a:lstStyle/>
+          <a:p>
+            <a:r>
+              <a:rPr lang="en-US" sz="2000" dirty="0"/>
+              <a:t> The other types of packages used for fresh fish transportation is the </a:t>
+            </a:r>
+            <a:r>
+              <a:rPr lang="en-US" sz="2000" dirty="0" err="1"/>
+              <a:t>moulded</a:t>
+            </a:r>
+            <a:r>
+              <a:rPr lang="en-US" sz="2000" dirty="0"/>
+              <a:t> container made from expanded polystyrene. This is an excellent choice as such boxes are very light in weight, provide very good insulating properties and can be cleaned easily by washing.</a:t>
+            </a:r>
+          </a:p>
+          <a:p>
+            <a:r>
+              <a:rPr lang="en-US" sz="2000" dirty="0"/>
+              <a:t>The retail packaging of fresh fish in India is not at all common. In the overseas markets, the most popular form of package for fresh fish is a shallow tray of </a:t>
+            </a:r>
+            <a:r>
+              <a:rPr lang="en-US" sz="2000" dirty="0" err="1"/>
+              <a:t>moulded</a:t>
+            </a:r>
+            <a:r>
+              <a:rPr lang="en-US" sz="2000" dirty="0"/>
+              <a:t> pulp, foam polystyrene or clear polystyrene, which is over-wrapped with a plastic film which may be printed or over which a pressure sensitive label is applied. Generally, food - grade PVC films are used as overwraps.</a:t>
+            </a:r>
+          </a:p>
+          <a:p>
+            <a:endParaRPr lang="en-US" sz="2000" dirty="0"/>
+          </a:p>
+        </p:txBody>
+      </p:sp>
+    </p:spTree>
+    <p:extLst>
+      <p:ext uri="{BB962C8B-B14F-4D97-AF65-F5344CB8AC3E}">
+        <p14:creationId xmlns:p14="http://schemas.microsoft.com/office/powerpoint/2010/main" val="2861833292"/>
+      </p:ext>
+    </p:extLst>
+  </p:cSld>
+  <p:clrMapOvr>
+    <a:masterClrMapping/>
+  </p:clrMapOvr>
+</p:sld>
+</file>
+
+<file path=ppt/slides/slide9.xml><?xml version="1.0" encoding="utf-8"?>
+<p:sld xmlns:a="http://schemas.openxmlformats.org/drawingml/2006/main" xmlns:r="http://schemas.openxmlformats.org/officeDocument/2006/relationships" xmlns:p="http://schemas.openxmlformats.org/presentationml/2006/main">
+  <p:cSld>
+    <p:spTree>
+      <p:nvGrpSpPr>
+        <p:cNvPr id="1" name=""/>
+        <p:cNvGrpSpPr/>
+        <p:nvPr/>
+      </p:nvGrpSpPr>
+      <p:grpSpPr>
+        <a:xfrm>
+          <a:off x="0" y="0"/>
+          <a:ext cx="0" cy="0"/>
+          <a:chOff x="0" y="0"/>
+          <a:chExt cx="0" cy="0"/>
+        </a:xfrm>
+      </p:grpSpPr>
+      <p:sp>
+        <p:nvSpPr>
           <p:cNvPr id="2" name="Title 1">
             <a:extLst>
               <a:ext uri="{FF2B5EF4-FFF2-40B4-BE49-F238E27FC236}">
@@ -7308,172 +8608,6 @@
     <p:extLst>
       <p:ext uri="{BB962C8B-B14F-4D97-AF65-F5344CB8AC3E}">
         <p14:creationId xmlns:p14="http://schemas.microsoft.com/office/powerpoint/2010/main" val="1380759319"/>
-      </p:ext>
-    </p:extLst>
-  </p:cSld>
-  <p:clrMapOvr>
-    <a:masterClrMapping/>
-  </p:clrMapOvr>
-</p:sld>
-</file>
-
-<file path=ppt/slides/slide9.xml><?xml version="1.0" encoding="utf-8"?>
-<p:sld xmlns:a="http://schemas.openxmlformats.org/drawingml/2006/main" xmlns:r="http://schemas.openxmlformats.org/officeDocument/2006/relationships" xmlns:p="http://schemas.openxmlformats.org/presentationml/2006/main">
-  <p:cSld>
-    <p:spTree>
-      <p:nvGrpSpPr>
-        <p:cNvPr id="1" name=""/>
-        <p:cNvGrpSpPr/>
-        <p:nvPr/>
-      </p:nvGrpSpPr>
-      <p:grpSpPr>
-        <a:xfrm>
-          <a:off x="0" y="0"/>
-          <a:ext cx="0" cy="0"/>
-          <a:chOff x="0" y="0"/>
-          <a:chExt cx="0" cy="0"/>
-        </a:xfrm>
-      </p:grpSpPr>
-      <p:pic>
-        <p:nvPicPr>
-          <p:cNvPr id="2050" name="Picture 2" descr="Carton Batch Coding Machine">
-            <a:extLst>
-              <a:ext uri="{FF2B5EF4-FFF2-40B4-BE49-F238E27FC236}">
-                <a16:creationId xmlns:a16="http://schemas.microsoft.com/office/drawing/2014/main" id="{7513F38E-09DA-49AF-A55D-2A135D0FC844}"/>
-              </a:ext>
-            </a:extLst>
-          </p:cNvPr>
-          <p:cNvPicPr>
-            <a:picLocks noGrp="1" noChangeAspect="1" noChangeArrowheads="1"/>
-          </p:cNvPicPr>
-          <p:nvPr>
-            <p:ph sz="half" idx="1"/>
-          </p:nvPr>
-        </p:nvPicPr>
-        <p:blipFill>
-          <a:blip r:embed="rId2">
-            <a:extLst>
-              <a:ext uri="{28A0092B-C50C-407E-A947-70E740481C1C}">
-                <a14:useLocalDpi xmlns:a14="http://schemas.microsoft.com/office/drawing/2010/main" val="0"/>
-              </a:ext>
-            </a:extLst>
-          </a:blip>
-          <a:stretch>
-            <a:fillRect/>
-          </a:stretch>
-        </p:blipFill>
-        <p:spPr bwMode="auto">
-          <a:xfrm>
-            <a:off x="437710" y="2238375"/>
-            <a:ext cx="2381250" cy="2381250"/>
-          </a:xfrm>
-          <a:prstGeom prst="rect">
-            <a:avLst/>
-          </a:prstGeom>
-          <a:noFill/>
-          <a:extLst>
-            <a:ext uri="{909E8E84-426E-40DD-AFC4-6F175D3DCCD1}">
-              <a14:hiddenFill xmlns:a14="http://schemas.microsoft.com/office/drawing/2010/main">
-                <a:solidFill>
-                  <a:srgbClr val="FFFFFF"/>
-                </a:solidFill>
-              </a14:hiddenFill>
-            </a:ext>
-          </a:extLst>
-        </p:spPr>
-      </p:pic>
-      <p:sp>
-        <p:nvSpPr>
-          <p:cNvPr id="5" name="Content Placeholder 4">
-            <a:extLst>
-              <a:ext uri="{FF2B5EF4-FFF2-40B4-BE49-F238E27FC236}">
-                <a16:creationId xmlns:a16="http://schemas.microsoft.com/office/drawing/2014/main" id="{4FD8924D-8941-4B2A-B893-53885BC6A0C2}"/>
-              </a:ext>
-            </a:extLst>
-          </p:cNvPr>
-          <p:cNvSpPr>
-            <a:spLocks noGrp="1"/>
-          </p:cNvSpPr>
-          <p:nvPr>
-            <p:ph sz="half" idx="2"/>
-          </p:nvPr>
-        </p:nvSpPr>
-        <p:spPr>
-          <a:xfrm>
-            <a:off x="2818960" y="1895963"/>
-            <a:ext cx="7006883" cy="4351338"/>
-          </a:xfrm>
-        </p:spPr>
-        <p:txBody>
-          <a:bodyPr>
-            <a:normAutofit/>
-          </a:bodyPr>
-          <a:lstStyle/>
-          <a:p>
-            <a:pPr marL="0" indent="0">
-              <a:buNone/>
-            </a:pPr>
-            <a:r>
-              <a:rPr lang="en-US" sz="2000" b="0" i="0" dirty="0">
-                <a:solidFill>
-                  <a:srgbClr val="000000"/>
-                </a:solidFill>
-                <a:effectLst/>
-                <a:latin typeface="Times New Roman" panose="02020603050405020304" pitchFamily="18" charset="0"/>
-                <a:cs typeface="Times New Roman" panose="02020603050405020304" pitchFamily="18" charset="0"/>
-              </a:rPr>
-              <a:t>online inkjet printing machine embedded </a:t>
-            </a:r>
-            <a:r>
-              <a:rPr lang="en-US" sz="2000" b="0" i="0" dirty="0" err="1">
-                <a:solidFill>
-                  <a:srgbClr val="000000"/>
-                </a:solidFill>
-                <a:effectLst/>
-                <a:latin typeface="Times New Roman" panose="02020603050405020304" pitchFamily="18" charset="0"/>
-                <a:cs typeface="Times New Roman" panose="02020603050405020304" pitchFamily="18" charset="0"/>
-              </a:rPr>
-              <a:t>linux</a:t>
-            </a:r>
-            <a:r>
-              <a:rPr lang="en-US" sz="2000" b="0" i="0" dirty="0">
-                <a:solidFill>
-                  <a:srgbClr val="000000"/>
-                </a:solidFill>
-                <a:effectLst/>
-                <a:latin typeface="Times New Roman" panose="02020603050405020304" pitchFamily="18" charset="0"/>
-                <a:cs typeface="Times New Roman" panose="02020603050405020304" pitchFamily="18" charset="0"/>
-              </a:rPr>
-              <a:t> operation system. Upgrade system firmware remotely via Wi-Fi connection. The inkjet coding machine can print online automatically with a sensor. Support 180 degrees direction printing.</a:t>
-            </a:r>
-            <a:br>
-              <a:rPr lang="en-US" sz="2000" dirty="0">
-                <a:latin typeface="Times New Roman" panose="02020603050405020304" pitchFamily="18" charset="0"/>
-                <a:cs typeface="Times New Roman" panose="02020603050405020304" pitchFamily="18" charset="0"/>
-              </a:rPr>
-            </a:br>
-            <a:r>
-              <a:rPr lang="en-US" sz="2000" b="0" i="0" dirty="0">
-                <a:solidFill>
-                  <a:srgbClr val="000000"/>
-                </a:solidFill>
-                <a:effectLst/>
-                <a:latin typeface="Times New Roman" panose="02020603050405020304" pitchFamily="18" charset="0"/>
-                <a:cs typeface="Times New Roman" panose="02020603050405020304" pitchFamily="18" charset="0"/>
-              </a:rPr>
-              <a:t>Batch Coding Machine used for Printing Various Pre-made Pouches and it is a best printing equipment to be used in Pharmaceuticals, Chemical Industries, Cosmetic, Food Industries, Automobiles, Seed Processing Units &amp; Electronic Spares Packing for Online Packing of Respective Product ranges.</a:t>
-            </a:r>
-            <a:endParaRPr lang="en-US" sz="2000" dirty="0">
-              <a:latin typeface="Times New Roman" panose="02020603050405020304" pitchFamily="18" charset="0"/>
-              <a:cs typeface="Times New Roman" panose="02020603050405020304" pitchFamily="18" charset="0"/>
-            </a:endParaRPr>
-          </a:p>
-        </p:txBody>
-      </p:sp>
-    </p:spTree>
-    <p:extLst>
-      <p:ext uri="{BB962C8B-B14F-4D97-AF65-F5344CB8AC3E}">
-        <p14:creationId xmlns:p14="http://schemas.microsoft.com/office/powerpoint/2010/main" val="1329679234"/>
       </p:ext>
     </p:extLst>
   </p:cSld>
